--- a/img/Fragmentation.pptx
+++ b/img/Fragmentation.pptx
@@ -3344,10 +3344,10 @@
       </p:grpSpPr>
       <p:grpSp>
         <p:nvGrpSpPr>
-          <p:cNvPr id="92" name="Gruppieren 91">
-            <a:extLst>
-              <a:ext uri="{FF2B5EF4-FFF2-40B4-BE49-F238E27FC236}">
-                <a16:creationId xmlns:a16="http://schemas.microsoft.com/office/drawing/2014/main" id="{B3682056-E98D-4D7D-98FC-5DD1A6FA214E}"/>
+          <p:cNvPr id="100" name="Gruppieren 99">
+            <a:extLst>
+              <a:ext uri="{FF2B5EF4-FFF2-40B4-BE49-F238E27FC236}">
+                <a16:creationId xmlns:a16="http://schemas.microsoft.com/office/drawing/2014/main" id="{C2A4D4EF-94FF-4CB3-88B3-25DEC5056D3D}"/>
               </a:ext>
             </a:extLst>
           </p:cNvPr>
@@ -3358,143 +3358,16 @@
           <a:xfrm>
             <a:off x="64665" y="1579162"/>
             <a:ext cx="12062671" cy="3699676"/>
-            <a:chOff x="4245469" y="4943475"/>
-            <a:chExt cx="2888756" cy="1581150"/>
-          </a:xfrm>
-        </p:grpSpPr>
-        <p:sp>
-          <p:nvSpPr>
-            <p:cNvPr id="90" name="Rechteck: obere Ecken abgerundet 89">
-              <a:extLst>
-                <a:ext uri="{FF2B5EF4-FFF2-40B4-BE49-F238E27FC236}">
-                  <a16:creationId xmlns:a16="http://schemas.microsoft.com/office/drawing/2014/main" id="{DBAFC06B-AC87-4AF0-9BCE-B13E99202662}"/>
-                </a:ext>
-              </a:extLst>
-            </p:cNvPr>
-            <p:cNvSpPr/>
-            <p:nvPr/>
-          </p:nvSpPr>
-          <p:spPr>
-            <a:xfrm>
-              <a:off x="4245469" y="4943475"/>
-              <a:ext cx="2888756" cy="790575"/>
-            </a:xfrm>
-            <a:prstGeom prst="round2SameRect">
-              <a:avLst/>
-            </a:prstGeom>
-            <a:solidFill>
-              <a:schemeClr val="accent2"/>
-            </a:solidFill>
-            <a:ln>
-              <a:noFill/>
-            </a:ln>
-          </p:spPr>
-          <p:style>
-            <a:lnRef idx="2">
-              <a:schemeClr val="accent1">
-                <a:shade val="50000"/>
-              </a:schemeClr>
-            </a:lnRef>
-            <a:fillRef idx="1">
-              <a:schemeClr val="accent1"/>
-            </a:fillRef>
-            <a:effectRef idx="0">
-              <a:schemeClr val="accent1"/>
-            </a:effectRef>
-            <a:fontRef idx="minor">
-              <a:schemeClr val="lt1"/>
-            </a:fontRef>
-          </p:style>
-          <p:txBody>
-            <a:bodyPr rtlCol="0" anchor="ctr"/>
-            <a:lstStyle/>
-            <a:p>
-              <a:endParaRPr lang="en-US" sz="2800" dirty="0"/>
-            </a:p>
-            <a:p>
-              <a:endParaRPr lang="en-US" dirty="0"/>
-            </a:p>
-          </p:txBody>
-        </p:sp>
-        <p:sp>
-          <p:nvSpPr>
-            <p:cNvPr id="91" name="Rechteck: obere Ecken abgerundet 90">
-              <a:extLst>
-                <a:ext uri="{FF2B5EF4-FFF2-40B4-BE49-F238E27FC236}">
-                  <a16:creationId xmlns:a16="http://schemas.microsoft.com/office/drawing/2014/main" id="{F3A10155-7D63-47E7-9002-5376616D5A60}"/>
-                </a:ext>
-              </a:extLst>
-            </p:cNvPr>
-            <p:cNvSpPr/>
-            <p:nvPr/>
-          </p:nvSpPr>
-          <p:spPr>
-            <a:xfrm flipV="1">
-              <a:off x="4245469" y="5734050"/>
-              <a:ext cx="2888756" cy="790575"/>
-            </a:xfrm>
-            <a:prstGeom prst="round2SameRect">
-              <a:avLst/>
-            </a:prstGeom>
-            <a:solidFill>
-              <a:srgbClr val="92D050"/>
-            </a:solidFill>
-            <a:ln>
-              <a:noFill/>
-            </a:ln>
-          </p:spPr>
-          <p:style>
-            <a:lnRef idx="2">
-              <a:schemeClr val="accent1">
-                <a:shade val="50000"/>
-              </a:schemeClr>
-            </a:lnRef>
-            <a:fillRef idx="1">
-              <a:schemeClr val="accent1"/>
-            </a:fillRef>
-            <a:effectRef idx="0">
-              <a:schemeClr val="accent1"/>
-            </a:effectRef>
-            <a:fontRef idx="minor">
-              <a:schemeClr val="lt1"/>
-            </a:fontRef>
-          </p:style>
-          <p:txBody>
-            <a:bodyPr rtlCol="0" anchor="ctr"/>
-            <a:lstStyle/>
-            <a:p>
-              <a:pPr algn="ctr"/>
-              <a:endParaRPr lang="en-US" sz="2800" dirty="0"/>
-            </a:p>
-          </p:txBody>
-        </p:sp>
-      </p:grpSp>
-      <p:grpSp>
-        <p:nvGrpSpPr>
-          <p:cNvPr id="95" name="Gruppieren 94">
-            <a:extLst>
-              <a:ext uri="{FF2B5EF4-FFF2-40B4-BE49-F238E27FC236}">
-                <a16:creationId xmlns:a16="http://schemas.microsoft.com/office/drawing/2014/main" id="{2B8073B3-4FD9-4182-A8C3-C02B51E92A40}"/>
-              </a:ext>
-            </a:extLst>
-          </p:cNvPr>
-          <p:cNvGrpSpPr/>
-          <p:nvPr/>
-        </p:nvGrpSpPr>
-        <p:grpSpPr>
-          <a:xfrm>
-            <a:off x="295276" y="2664735"/>
-            <a:ext cx="11601448" cy="1528531"/>
-            <a:chOff x="295276" y="2672364"/>
-            <a:chExt cx="11601448" cy="1528531"/>
+            <a:chOff x="64665" y="1579162"/>
+            <a:chExt cx="12062671" cy="3699676"/>
           </a:xfrm>
         </p:grpSpPr>
         <p:grpSp>
           <p:nvGrpSpPr>
-            <p:cNvPr id="93" name="Gruppieren 92">
+            <p:cNvPr id="92" name="Gruppieren 91">
               <a:extLst>
                 <a:ext uri="{FF2B5EF4-FFF2-40B4-BE49-F238E27FC236}">
-                  <a16:creationId xmlns:a16="http://schemas.microsoft.com/office/drawing/2014/main" id="{9FD815A4-5CB4-46EB-90A4-69B03B43C3FA}"/>
+                  <a16:creationId xmlns:a16="http://schemas.microsoft.com/office/drawing/2014/main" id="{B3682056-E98D-4D7D-98FC-5DD1A6FA214E}"/>
                 </a:ext>
               </a:extLst>
             </p:cNvPr>
@@ -3503,18 +3376,18 @@
           </p:nvGrpSpPr>
           <p:grpSpPr>
             <a:xfrm>
-              <a:off x="295276" y="2672364"/>
-              <a:ext cx="11601448" cy="648070"/>
-              <a:chOff x="295276" y="1624614"/>
-              <a:chExt cx="11601448" cy="648070"/>
+              <a:off x="64665" y="1579162"/>
+              <a:ext cx="12062671" cy="3699676"/>
+              <a:chOff x="4245469" y="4943475"/>
+              <a:chExt cx="2888756" cy="1581150"/>
             </a:xfrm>
           </p:grpSpPr>
           <p:sp>
             <p:nvSpPr>
-              <p:cNvPr id="4" name="Rechteck: abgerundete Ecken 3">
+              <p:cNvPr id="90" name="Rechteck: obere Ecken abgerundet 89">
                 <a:extLst>
                   <a:ext uri="{FF2B5EF4-FFF2-40B4-BE49-F238E27FC236}">
-                    <a16:creationId xmlns:a16="http://schemas.microsoft.com/office/drawing/2014/main" id="{40AAF607-2049-43F2-8B15-C9A575274009}"/>
+                    <a16:creationId xmlns:a16="http://schemas.microsoft.com/office/drawing/2014/main" id="{DBAFC06B-AC87-4AF0-9BCE-B13E99202662}"/>
                   </a:ext>
                 </a:extLst>
               </p:cNvPr>
@@ -3523,12 +3396,72 @@
             </p:nvSpPr>
             <p:spPr>
               <a:xfrm>
-                <a:off x="295276" y="1624614"/>
-                <a:ext cx="730096" cy="648070"/>
+                <a:off x="4245469" y="4943475"/>
+                <a:ext cx="2888756" cy="790575"/>
               </a:xfrm>
-              <a:prstGeom prst="roundRect">
+              <a:prstGeom prst="round2SameRect">
                 <a:avLst/>
               </a:prstGeom>
+              <a:solidFill>
+                <a:schemeClr val="accent2"/>
+              </a:solidFill>
+              <a:ln>
+                <a:noFill/>
+              </a:ln>
+            </p:spPr>
+            <p:style>
+              <a:lnRef idx="2">
+                <a:schemeClr val="accent1">
+                  <a:shade val="50000"/>
+                </a:schemeClr>
+              </a:lnRef>
+              <a:fillRef idx="1">
+                <a:schemeClr val="accent1"/>
+              </a:fillRef>
+              <a:effectRef idx="0">
+                <a:schemeClr val="accent1"/>
+              </a:effectRef>
+              <a:fontRef idx="minor">
+                <a:schemeClr val="lt1"/>
+              </a:fontRef>
+            </p:style>
+            <p:txBody>
+              <a:bodyPr rtlCol="0" anchor="ctr"/>
+              <a:lstStyle/>
+              <a:p>
+                <a:endParaRPr lang="en-US" sz="2800" dirty="0"/>
+              </a:p>
+              <a:p>
+                <a:endParaRPr lang="en-US" dirty="0"/>
+              </a:p>
+            </p:txBody>
+          </p:sp>
+          <p:sp>
+            <p:nvSpPr>
+              <p:cNvPr id="91" name="Rechteck: obere Ecken abgerundet 90">
+                <a:extLst>
+                  <a:ext uri="{FF2B5EF4-FFF2-40B4-BE49-F238E27FC236}">
+                    <a16:creationId xmlns:a16="http://schemas.microsoft.com/office/drawing/2014/main" id="{F3A10155-7D63-47E7-9002-5376616D5A60}"/>
+                  </a:ext>
+                </a:extLst>
+              </p:cNvPr>
+              <p:cNvSpPr/>
+              <p:nvPr/>
+            </p:nvSpPr>
+            <p:spPr>
+              <a:xfrm flipV="1">
+                <a:off x="4245469" y="5734050"/>
+                <a:ext cx="2888756" cy="790575"/>
+              </a:xfrm>
+              <a:prstGeom prst="round2SameRect">
+                <a:avLst/>
+              </a:prstGeom>
+              <a:solidFill>
+                <a:srgbClr val="92D050"/>
+              </a:solidFill>
+              <a:ln>
+                <a:noFill/>
+              </a:ln>
             </p:spPr>
             <p:style>
               <a:lnRef idx="2">
@@ -3551,481 +3484,17 @@
               <a:lstStyle/>
               <a:p>
                 <a:pPr algn="ctr"/>
-                <a:r>
-                  <a:rPr lang="en-US" dirty="0"/>
-                  <a:t>Send</a:t>
-                </a:r>
+                <a:endParaRPr lang="en-US" sz="2800" dirty="0"/>
               </a:p>
             </p:txBody>
           </p:sp>
-          <p:sp>
-            <p:nvSpPr>
-              <p:cNvPr id="5" name="Rechteck: abgerundete Ecken 4">
-                <a:extLst>
-                  <a:ext uri="{FF2B5EF4-FFF2-40B4-BE49-F238E27FC236}">
-                    <a16:creationId xmlns:a16="http://schemas.microsoft.com/office/drawing/2014/main" id="{8A55AD14-5333-4278-B6DB-0F5E778E15AD}"/>
-                  </a:ext>
-                </a:extLst>
-              </p:cNvPr>
-              <p:cNvSpPr/>
-              <p:nvPr/>
-            </p:nvSpPr>
-            <p:spPr>
-              <a:xfrm>
-                <a:off x="1516237" y="1624614"/>
-                <a:ext cx="730096" cy="648070"/>
-              </a:xfrm>
-              <a:prstGeom prst="roundRect">
-                <a:avLst/>
-              </a:prstGeom>
-            </p:spPr>
-            <p:style>
-              <a:lnRef idx="2">
-                <a:schemeClr val="accent1">
-                  <a:shade val="50000"/>
-                </a:schemeClr>
-              </a:lnRef>
-              <a:fillRef idx="1">
-                <a:schemeClr val="accent1"/>
-              </a:fillRef>
-              <a:effectRef idx="0">
-                <a:schemeClr val="accent1"/>
-              </a:effectRef>
-              <a:fontRef idx="minor">
-                <a:schemeClr val="lt1"/>
-              </a:fontRef>
-            </p:style>
-            <p:txBody>
-              <a:bodyPr rtlCol="0" anchor="ctr"/>
-              <a:lstStyle/>
-              <a:p>
-                <a:pPr algn="ctr"/>
-                <a:r>
-                  <a:rPr lang="en-US" dirty="0"/>
-                  <a:t>Limit (TC)</a:t>
-                </a:r>
-              </a:p>
-            </p:txBody>
-          </p:sp>
-          <p:sp>
-            <p:nvSpPr>
-              <p:cNvPr id="8" name="Rechteck: abgerundete Ecken 7">
-                <a:extLst>
-                  <a:ext uri="{FF2B5EF4-FFF2-40B4-BE49-F238E27FC236}">
-                    <a16:creationId xmlns:a16="http://schemas.microsoft.com/office/drawing/2014/main" id="{1BC6472B-96E3-4683-8288-1304EBEA0910}"/>
-                  </a:ext>
-                </a:extLst>
-              </p:cNvPr>
-              <p:cNvSpPr/>
-              <p:nvPr/>
-            </p:nvSpPr>
-            <p:spPr>
-              <a:xfrm>
-                <a:off x="11306174" y="1624614"/>
-                <a:ext cx="590550" cy="648070"/>
-              </a:xfrm>
-              <a:prstGeom prst="roundRect">
-                <a:avLst/>
-              </a:prstGeom>
-            </p:spPr>
-            <p:style>
-              <a:lnRef idx="2">
-                <a:schemeClr val="accent1">
-                  <a:shade val="50000"/>
-                </a:schemeClr>
-              </a:lnRef>
-              <a:fillRef idx="1">
-                <a:schemeClr val="accent1"/>
-              </a:fillRef>
-              <a:effectRef idx="0">
-                <a:schemeClr val="accent1"/>
-              </a:effectRef>
-              <a:fontRef idx="minor">
-                <a:schemeClr val="lt1"/>
-              </a:fontRef>
-            </p:style>
-            <p:txBody>
-              <a:bodyPr rtlCol="0" anchor="ctr"/>
-              <a:lstStyle/>
-              <a:p>
-                <a:pPr algn="ctr"/>
-                <a:r>
-                  <a:rPr lang="en-US" dirty="0"/>
-                  <a:t>Use</a:t>
-                </a:r>
-              </a:p>
-            </p:txBody>
-          </p:sp>
-          <p:sp>
-            <p:nvSpPr>
-              <p:cNvPr id="9" name="Rechteck: abgerundete Ecken 8">
-                <a:extLst>
-                  <a:ext uri="{FF2B5EF4-FFF2-40B4-BE49-F238E27FC236}">
-                    <a16:creationId xmlns:a16="http://schemas.microsoft.com/office/drawing/2014/main" id="{B02E3A5B-AE42-492A-BA97-D7F1CDDF05FE}"/>
-                  </a:ext>
-                </a:extLst>
-              </p:cNvPr>
-              <p:cNvSpPr/>
-              <p:nvPr/>
-            </p:nvSpPr>
-            <p:spPr>
-              <a:xfrm>
-                <a:off x="9448799" y="1624614"/>
-                <a:ext cx="1371600" cy="648070"/>
-              </a:xfrm>
-              <a:prstGeom prst="roundRect">
-                <a:avLst/>
-              </a:prstGeom>
-            </p:spPr>
-            <p:style>
-              <a:lnRef idx="2">
-                <a:schemeClr val="accent1">
-                  <a:shade val="50000"/>
-                </a:schemeClr>
-              </a:lnRef>
-              <a:fillRef idx="1">
-                <a:schemeClr val="accent1"/>
-              </a:fillRef>
-              <a:effectRef idx="0">
-                <a:schemeClr val="accent1"/>
-              </a:effectRef>
-              <a:fontRef idx="minor">
-                <a:schemeClr val="lt1"/>
-              </a:fontRef>
-            </p:style>
-            <p:txBody>
-              <a:bodyPr rtlCol="0" anchor="ctr"/>
-              <a:lstStyle/>
-              <a:p>
-                <a:pPr algn="ctr"/>
-                <a:r>
-                  <a:rPr lang="en-US" dirty="0"/>
-                  <a:t>Reassemble</a:t>
-                </a:r>
-              </a:p>
-            </p:txBody>
-          </p:sp>
-          <p:sp>
-            <p:nvSpPr>
-              <p:cNvPr id="10" name="Rechteck: abgerundete Ecken 9">
-                <a:extLst>
-                  <a:ext uri="{FF2B5EF4-FFF2-40B4-BE49-F238E27FC236}">
-                    <a16:creationId xmlns:a16="http://schemas.microsoft.com/office/drawing/2014/main" id="{89ED81C9-D078-480B-8E95-12F6F912B1D9}"/>
-                  </a:ext>
-                </a:extLst>
-              </p:cNvPr>
-              <p:cNvSpPr/>
-              <p:nvPr/>
-            </p:nvSpPr>
-            <p:spPr>
-              <a:xfrm>
-                <a:off x="2732108" y="1624614"/>
-                <a:ext cx="1154093" cy="648070"/>
-              </a:xfrm>
-              <a:prstGeom prst="roundRect">
-                <a:avLst/>
-              </a:prstGeom>
-            </p:spPr>
-            <p:style>
-              <a:lnRef idx="2">
-                <a:schemeClr val="accent1">
-                  <a:shade val="50000"/>
-                </a:schemeClr>
-              </a:lnRef>
-              <a:fillRef idx="1">
-                <a:schemeClr val="accent1"/>
-              </a:fillRef>
-              <a:effectRef idx="0">
-                <a:schemeClr val="accent1"/>
-              </a:effectRef>
-              <a:fontRef idx="minor">
-                <a:schemeClr val="lt1"/>
-              </a:fontRef>
-            </p:style>
-            <p:txBody>
-              <a:bodyPr rtlCol="0" anchor="ctr"/>
-              <a:lstStyle/>
-              <a:p>
-                <a:pPr algn="ctr"/>
-                <a:r>
-                  <a:rPr lang="en-US" dirty="0"/>
-                  <a:t>Fragment</a:t>
-                </a:r>
-              </a:p>
-            </p:txBody>
-          </p:sp>
-          <p:sp>
-            <p:nvSpPr>
-              <p:cNvPr id="16" name="Rechteck: abgerundete Ecken 15">
-                <a:extLst>
-                  <a:ext uri="{FF2B5EF4-FFF2-40B4-BE49-F238E27FC236}">
-                    <a16:creationId xmlns:a16="http://schemas.microsoft.com/office/drawing/2014/main" id="{31363AA4-67BA-4797-B189-A39397BC2304}"/>
-                  </a:ext>
-                </a:extLst>
-              </p:cNvPr>
-              <p:cNvSpPr/>
-              <p:nvPr/>
-            </p:nvSpPr>
-            <p:spPr>
-              <a:xfrm>
-                <a:off x="7972424" y="1624614"/>
-                <a:ext cx="990600" cy="648070"/>
-              </a:xfrm>
-              <a:prstGeom prst="roundRect">
-                <a:avLst/>
-              </a:prstGeom>
-            </p:spPr>
-            <p:style>
-              <a:lnRef idx="2">
-                <a:schemeClr val="accent1">
-                  <a:shade val="50000"/>
-                </a:schemeClr>
-              </a:lnRef>
-              <a:fillRef idx="1">
-                <a:schemeClr val="accent1"/>
-              </a:fillRef>
-              <a:effectRef idx="0">
-                <a:schemeClr val="accent1"/>
-              </a:effectRef>
-              <a:fontRef idx="minor">
-                <a:schemeClr val="lt1"/>
-              </a:fontRef>
-            </p:style>
-            <p:txBody>
-              <a:bodyPr rtlCol="0" anchor="ctr"/>
-              <a:lstStyle/>
-              <a:p>
-                <a:pPr algn="ctr"/>
-                <a:r>
-                  <a:rPr lang="en-US" dirty="0"/>
-                  <a:t>Receive</a:t>
-                </a:r>
-              </a:p>
-            </p:txBody>
-          </p:sp>
-          <p:cxnSp>
-            <p:nvCxnSpPr>
-              <p:cNvPr id="19" name="Gerade Verbindung mit Pfeil 18">
-                <a:extLst>
-                  <a:ext uri="{FF2B5EF4-FFF2-40B4-BE49-F238E27FC236}">
-                    <a16:creationId xmlns:a16="http://schemas.microsoft.com/office/drawing/2014/main" id="{DEEF425E-ECFA-41B0-AB85-873344E227B7}"/>
-                  </a:ext>
-                </a:extLst>
-              </p:cNvPr>
-              <p:cNvCxnSpPr>
-                <a:cxnSpLocks/>
-                <a:stCxn id="4" idx="3"/>
-                <a:endCxn id="5" idx="1"/>
-              </p:cNvCxnSpPr>
-              <p:nvPr/>
-            </p:nvCxnSpPr>
-            <p:spPr>
-              <a:xfrm>
-                <a:off x="1025372" y="1948649"/>
-                <a:ext cx="490865" cy="0"/>
-              </a:xfrm>
-              <a:prstGeom prst="straightConnector1">
-                <a:avLst/>
-              </a:prstGeom>
-              <a:ln w="31750">
-                <a:tailEnd type="triangle"/>
-              </a:ln>
-            </p:spPr>
-            <p:style>
-              <a:lnRef idx="1">
-                <a:schemeClr val="accent1"/>
-              </a:lnRef>
-              <a:fillRef idx="0">
-                <a:schemeClr val="accent1"/>
-              </a:fillRef>
-              <a:effectRef idx="0">
-                <a:schemeClr val="accent1"/>
-              </a:effectRef>
-              <a:fontRef idx="minor">
-                <a:schemeClr val="tx1"/>
-              </a:fontRef>
-            </p:style>
-          </p:cxnSp>
-          <p:cxnSp>
-            <p:nvCxnSpPr>
-              <p:cNvPr id="21" name="Gerade Verbindung mit Pfeil 20">
-                <a:extLst>
-                  <a:ext uri="{FF2B5EF4-FFF2-40B4-BE49-F238E27FC236}">
-                    <a16:creationId xmlns:a16="http://schemas.microsoft.com/office/drawing/2014/main" id="{463E5395-7014-4441-98FA-55228CEA8DB5}"/>
-                  </a:ext>
-                </a:extLst>
-              </p:cNvPr>
-              <p:cNvCxnSpPr>
-                <a:cxnSpLocks/>
-                <a:stCxn id="5" idx="3"/>
-                <a:endCxn id="10" idx="1"/>
-              </p:cNvCxnSpPr>
-              <p:nvPr/>
-            </p:nvCxnSpPr>
-            <p:spPr>
-              <a:xfrm>
-                <a:off x="2246333" y="1948649"/>
-                <a:ext cx="485775" cy="0"/>
-              </a:xfrm>
-              <a:prstGeom prst="straightConnector1">
-                <a:avLst/>
-              </a:prstGeom>
-              <a:ln w="31750">
-                <a:tailEnd type="triangle"/>
-              </a:ln>
-            </p:spPr>
-            <p:style>
-              <a:lnRef idx="1">
-                <a:schemeClr val="accent1"/>
-              </a:lnRef>
-              <a:fillRef idx="0">
-                <a:schemeClr val="accent1"/>
-              </a:fillRef>
-              <a:effectRef idx="0">
-                <a:schemeClr val="accent1"/>
-              </a:effectRef>
-              <a:fontRef idx="minor">
-                <a:schemeClr val="tx1"/>
-              </a:fontRef>
-            </p:style>
-          </p:cxnSp>
-          <p:cxnSp>
-            <p:nvCxnSpPr>
-              <p:cNvPr id="23" name="Gerade Verbindung mit Pfeil 22">
-                <a:extLst>
-                  <a:ext uri="{FF2B5EF4-FFF2-40B4-BE49-F238E27FC236}">
-                    <a16:creationId xmlns:a16="http://schemas.microsoft.com/office/drawing/2014/main" id="{90DD75E8-D293-4ADA-8764-793891B0AD01}"/>
-                  </a:ext>
-                </a:extLst>
-              </p:cNvPr>
-              <p:cNvCxnSpPr>
-                <a:cxnSpLocks/>
-                <a:stCxn id="10" idx="3"/>
-                <a:endCxn id="16" idx="1"/>
-              </p:cNvCxnSpPr>
-              <p:nvPr/>
-            </p:nvCxnSpPr>
-            <p:spPr>
-              <a:xfrm>
-                <a:off x="3886201" y="1948649"/>
-                <a:ext cx="4086223" cy="0"/>
-              </a:xfrm>
-              <a:prstGeom prst="straightConnector1">
-                <a:avLst/>
-              </a:prstGeom>
-              <a:ln w="31750">
-                <a:prstDash val="sysDot"/>
-                <a:tailEnd type="triangle"/>
-              </a:ln>
-            </p:spPr>
-            <p:style>
-              <a:lnRef idx="1">
-                <a:schemeClr val="accent1"/>
-              </a:lnRef>
-              <a:fillRef idx="0">
-                <a:schemeClr val="accent1"/>
-              </a:fillRef>
-              <a:effectRef idx="0">
-                <a:schemeClr val="accent1"/>
-              </a:effectRef>
-              <a:fontRef idx="minor">
-                <a:schemeClr val="tx1"/>
-              </a:fontRef>
-            </p:style>
-          </p:cxnSp>
-          <p:cxnSp>
-            <p:nvCxnSpPr>
-              <p:cNvPr id="25" name="Gerade Verbindung mit Pfeil 24">
-                <a:extLst>
-                  <a:ext uri="{FF2B5EF4-FFF2-40B4-BE49-F238E27FC236}">
-                    <a16:creationId xmlns:a16="http://schemas.microsoft.com/office/drawing/2014/main" id="{A736C58F-D6E3-4BBD-990A-C8D8036B58DA}"/>
-                  </a:ext>
-                </a:extLst>
-              </p:cNvPr>
-              <p:cNvCxnSpPr>
-                <a:cxnSpLocks/>
-                <a:stCxn id="16" idx="3"/>
-                <a:endCxn id="9" idx="1"/>
-              </p:cNvCxnSpPr>
-              <p:nvPr/>
-            </p:nvCxnSpPr>
-            <p:spPr>
-              <a:xfrm>
-                <a:off x="8963024" y="1948649"/>
-                <a:ext cx="485775" cy="0"/>
-              </a:xfrm>
-              <a:prstGeom prst="straightConnector1">
-                <a:avLst/>
-              </a:prstGeom>
-              <a:ln w="31750">
-                <a:tailEnd type="triangle"/>
-              </a:ln>
-            </p:spPr>
-            <p:style>
-              <a:lnRef idx="1">
-                <a:schemeClr val="accent1"/>
-              </a:lnRef>
-              <a:fillRef idx="0">
-                <a:schemeClr val="accent1"/>
-              </a:fillRef>
-              <a:effectRef idx="0">
-                <a:schemeClr val="accent1"/>
-              </a:effectRef>
-              <a:fontRef idx="minor">
-                <a:schemeClr val="tx1"/>
-              </a:fontRef>
-            </p:style>
-          </p:cxnSp>
-          <p:cxnSp>
-            <p:nvCxnSpPr>
-              <p:cNvPr id="28" name="Gerade Verbindung mit Pfeil 27">
-                <a:extLst>
-                  <a:ext uri="{FF2B5EF4-FFF2-40B4-BE49-F238E27FC236}">
-                    <a16:creationId xmlns:a16="http://schemas.microsoft.com/office/drawing/2014/main" id="{3983AC23-F249-4116-857B-EF912BF54ADC}"/>
-                  </a:ext>
-                </a:extLst>
-              </p:cNvPr>
-              <p:cNvCxnSpPr>
-                <a:cxnSpLocks/>
-                <a:stCxn id="9" idx="3"/>
-                <a:endCxn id="8" idx="1"/>
-              </p:cNvCxnSpPr>
-              <p:nvPr/>
-            </p:nvCxnSpPr>
-            <p:spPr>
-              <a:xfrm>
-                <a:off x="10820399" y="1948649"/>
-                <a:ext cx="485775" cy="0"/>
-              </a:xfrm>
-              <a:prstGeom prst="straightConnector1">
-                <a:avLst/>
-              </a:prstGeom>
-              <a:ln w="31750">
-                <a:tailEnd type="triangle"/>
-              </a:ln>
-            </p:spPr>
-            <p:style>
-              <a:lnRef idx="1">
-                <a:schemeClr val="accent1"/>
-              </a:lnRef>
-              <a:fillRef idx="0">
-                <a:schemeClr val="accent1"/>
-              </a:fillRef>
-              <a:effectRef idx="0">
-                <a:schemeClr val="accent1"/>
-              </a:effectRef>
-              <a:fontRef idx="minor">
-                <a:schemeClr val="tx1"/>
-              </a:fontRef>
-            </p:style>
-          </p:cxnSp>
         </p:grpSp>
         <p:grpSp>
           <p:nvGrpSpPr>
-            <p:cNvPr id="94" name="Gruppieren 93">
+            <p:cNvPr id="95" name="Gruppieren 94">
               <a:extLst>
                 <a:ext uri="{FF2B5EF4-FFF2-40B4-BE49-F238E27FC236}">
-                  <a16:creationId xmlns:a16="http://schemas.microsoft.com/office/drawing/2014/main" id="{B42999CF-C0DA-47FE-9197-7A28F3F275B8}"/>
+                  <a16:creationId xmlns:a16="http://schemas.microsoft.com/office/drawing/2014/main" id="{2B8073B3-4FD9-4182-A8C3-C02B51E92A40}"/>
                 </a:ext>
               </a:extLst>
             </p:cNvPr>
@@ -4034,705 +3503,1257 @@
           </p:nvGrpSpPr>
           <p:grpSpPr>
             <a:xfrm>
-              <a:off x="295276" y="3552825"/>
-              <a:ext cx="11601448" cy="648070"/>
-              <a:chOff x="295276" y="3429000"/>
-              <a:chExt cx="11601448" cy="648070"/>
+              <a:off x="295276" y="2664735"/>
+              <a:ext cx="11601448" cy="1528531"/>
+              <a:chOff x="295276" y="2672364"/>
+              <a:chExt cx="11601448" cy="1528531"/>
             </a:xfrm>
           </p:grpSpPr>
-          <p:sp>
-            <p:nvSpPr>
-              <p:cNvPr id="11" name="Rechteck: abgerundete Ecken 10">
+          <p:grpSp>
+            <p:nvGrpSpPr>
+              <p:cNvPr id="93" name="Gruppieren 92">
                 <a:extLst>
                   <a:ext uri="{FF2B5EF4-FFF2-40B4-BE49-F238E27FC236}">
-                    <a16:creationId xmlns:a16="http://schemas.microsoft.com/office/drawing/2014/main" id="{7033E403-125A-4F18-AA75-EE9D12F74499}"/>
+                    <a16:creationId xmlns:a16="http://schemas.microsoft.com/office/drawing/2014/main" id="{9FD815A4-5CB4-46EB-90A4-69B03B43C3FA}"/>
                   </a:ext>
                 </a:extLst>
               </p:cNvPr>
-              <p:cNvSpPr/>
+              <p:cNvGrpSpPr/>
               <p:nvPr/>
-            </p:nvSpPr>
-            <p:spPr>
+            </p:nvGrpSpPr>
+            <p:grpSpPr>
               <a:xfrm>
-                <a:off x="1292719" y="3429000"/>
-                <a:ext cx="1364756" cy="648070"/>
+                <a:off x="295276" y="2672364"/>
+                <a:ext cx="11601448" cy="648070"/>
+                <a:chOff x="295276" y="1624614"/>
+                <a:chExt cx="11601448" cy="648070"/>
               </a:xfrm>
-              <a:prstGeom prst="roundRect">
-                <a:avLst/>
-              </a:prstGeom>
-            </p:spPr>
-            <p:style>
-              <a:lnRef idx="2">
-                <a:schemeClr val="accent1">
-                  <a:shade val="50000"/>
-                </a:schemeClr>
-              </a:lnRef>
-              <a:fillRef idx="1">
-                <a:schemeClr val="accent1"/>
-              </a:fillRef>
-              <a:effectRef idx="0">
-                <a:schemeClr val="accent1"/>
-              </a:effectRef>
-              <a:fontRef idx="minor">
-                <a:schemeClr val="lt1"/>
-              </a:fontRef>
-            </p:style>
-            <p:txBody>
-              <a:bodyPr rtlCol="0" anchor="ctr"/>
-              <a:lstStyle/>
-              <a:p>
-                <a:pPr algn="ctr"/>
-                <a:r>
-                  <a:rPr lang="en-US" dirty="0"/>
-                  <a:t>Reassemble</a:t>
-                </a:r>
-              </a:p>
-            </p:txBody>
-          </p:sp>
-          <p:sp>
-            <p:nvSpPr>
-              <p:cNvPr id="12" name="Rechteck: abgerundete Ecken 11">
+            </p:grpSpPr>
+            <p:sp>
+              <p:nvSpPr>
+                <p:cNvPr id="4" name="Rechteck: abgerundete Ecken 3">
+                  <a:extLst>
+                    <a:ext uri="{FF2B5EF4-FFF2-40B4-BE49-F238E27FC236}">
+                      <a16:creationId xmlns:a16="http://schemas.microsoft.com/office/drawing/2014/main" id="{40AAF607-2049-43F2-8B15-C9A575274009}"/>
+                    </a:ext>
+                  </a:extLst>
+                </p:cNvPr>
+                <p:cNvSpPr/>
+                <p:nvPr/>
+              </p:nvSpPr>
+              <p:spPr>
+                <a:xfrm>
+                  <a:off x="295276" y="1624614"/>
+                  <a:ext cx="730096" cy="648070"/>
+                </a:xfrm>
+                <a:prstGeom prst="roundRect">
+                  <a:avLst/>
+                </a:prstGeom>
+              </p:spPr>
+              <p:style>
+                <a:lnRef idx="2">
+                  <a:schemeClr val="accent1">
+                    <a:shade val="50000"/>
+                  </a:schemeClr>
+                </a:lnRef>
+                <a:fillRef idx="1">
+                  <a:schemeClr val="accent1"/>
+                </a:fillRef>
+                <a:effectRef idx="0">
+                  <a:schemeClr val="accent1"/>
+                </a:effectRef>
+                <a:fontRef idx="minor">
+                  <a:schemeClr val="lt1"/>
+                </a:fontRef>
+              </p:style>
+              <p:txBody>
+                <a:bodyPr rtlCol="0" anchor="ctr"/>
+                <a:lstStyle/>
+                <a:p>
+                  <a:pPr algn="ctr"/>
+                  <a:r>
+                    <a:rPr lang="en-US" dirty="0"/>
+                    <a:t>Send</a:t>
+                  </a:r>
+                </a:p>
+              </p:txBody>
+            </p:sp>
+            <p:sp>
+              <p:nvSpPr>
+                <p:cNvPr id="5" name="Rechteck: abgerundete Ecken 4">
+                  <a:extLst>
+                    <a:ext uri="{FF2B5EF4-FFF2-40B4-BE49-F238E27FC236}">
+                      <a16:creationId xmlns:a16="http://schemas.microsoft.com/office/drawing/2014/main" id="{8A55AD14-5333-4278-B6DB-0F5E778E15AD}"/>
+                    </a:ext>
+                  </a:extLst>
+                </p:cNvPr>
+                <p:cNvSpPr/>
+                <p:nvPr/>
+              </p:nvSpPr>
+              <p:spPr>
+                <a:xfrm>
+                  <a:off x="1516237" y="1624614"/>
+                  <a:ext cx="730096" cy="648070"/>
+                </a:xfrm>
+                <a:prstGeom prst="roundRect">
+                  <a:avLst/>
+                </a:prstGeom>
+              </p:spPr>
+              <p:style>
+                <a:lnRef idx="2">
+                  <a:schemeClr val="accent1">
+                    <a:shade val="50000"/>
+                  </a:schemeClr>
+                </a:lnRef>
+                <a:fillRef idx="1">
+                  <a:schemeClr val="accent1"/>
+                </a:fillRef>
+                <a:effectRef idx="0">
+                  <a:schemeClr val="accent1"/>
+                </a:effectRef>
+                <a:fontRef idx="minor">
+                  <a:schemeClr val="lt1"/>
+                </a:fontRef>
+              </p:style>
+              <p:txBody>
+                <a:bodyPr rtlCol="0" anchor="ctr"/>
+                <a:lstStyle/>
+                <a:p>
+                  <a:pPr algn="ctr"/>
+                  <a:r>
+                    <a:rPr lang="en-US" dirty="0"/>
+                    <a:t>Limit (TC)</a:t>
+                  </a:r>
+                </a:p>
+              </p:txBody>
+            </p:sp>
+            <p:sp>
+              <p:nvSpPr>
+                <p:cNvPr id="8" name="Rechteck: abgerundete Ecken 7">
+                  <a:extLst>
+                    <a:ext uri="{FF2B5EF4-FFF2-40B4-BE49-F238E27FC236}">
+                      <a16:creationId xmlns:a16="http://schemas.microsoft.com/office/drawing/2014/main" id="{1BC6472B-96E3-4683-8288-1304EBEA0910}"/>
+                    </a:ext>
+                  </a:extLst>
+                </p:cNvPr>
+                <p:cNvSpPr/>
+                <p:nvPr/>
+              </p:nvSpPr>
+              <p:spPr>
+                <a:xfrm>
+                  <a:off x="11306174" y="1624614"/>
+                  <a:ext cx="590550" cy="648070"/>
+                </a:xfrm>
+                <a:prstGeom prst="roundRect">
+                  <a:avLst/>
+                </a:prstGeom>
+              </p:spPr>
+              <p:style>
+                <a:lnRef idx="2">
+                  <a:schemeClr val="accent1">
+                    <a:shade val="50000"/>
+                  </a:schemeClr>
+                </a:lnRef>
+                <a:fillRef idx="1">
+                  <a:schemeClr val="accent1"/>
+                </a:fillRef>
+                <a:effectRef idx="0">
+                  <a:schemeClr val="accent1"/>
+                </a:effectRef>
+                <a:fontRef idx="minor">
+                  <a:schemeClr val="lt1"/>
+                </a:fontRef>
+              </p:style>
+              <p:txBody>
+                <a:bodyPr rtlCol="0" anchor="ctr"/>
+                <a:lstStyle/>
+                <a:p>
+                  <a:pPr algn="ctr"/>
+                  <a:r>
+                    <a:rPr lang="en-US" dirty="0"/>
+                    <a:t>Use</a:t>
+                  </a:r>
+                </a:p>
+              </p:txBody>
+            </p:sp>
+            <p:sp>
+              <p:nvSpPr>
+                <p:cNvPr id="9" name="Rechteck: abgerundete Ecken 8">
+                  <a:extLst>
+                    <a:ext uri="{FF2B5EF4-FFF2-40B4-BE49-F238E27FC236}">
+                      <a16:creationId xmlns:a16="http://schemas.microsoft.com/office/drawing/2014/main" id="{B02E3A5B-AE42-492A-BA97-D7F1CDDF05FE}"/>
+                    </a:ext>
+                  </a:extLst>
+                </p:cNvPr>
+                <p:cNvSpPr/>
+                <p:nvPr/>
+              </p:nvSpPr>
+              <p:spPr>
+                <a:xfrm>
+                  <a:off x="9448799" y="1624614"/>
+                  <a:ext cx="1371600" cy="648070"/>
+                </a:xfrm>
+                <a:prstGeom prst="roundRect">
+                  <a:avLst/>
+                </a:prstGeom>
+              </p:spPr>
+              <p:style>
+                <a:lnRef idx="2">
+                  <a:schemeClr val="accent1">
+                    <a:shade val="50000"/>
+                  </a:schemeClr>
+                </a:lnRef>
+                <a:fillRef idx="1">
+                  <a:schemeClr val="accent1"/>
+                </a:fillRef>
+                <a:effectRef idx="0">
+                  <a:schemeClr val="accent1"/>
+                </a:effectRef>
+                <a:fontRef idx="minor">
+                  <a:schemeClr val="lt1"/>
+                </a:fontRef>
+              </p:style>
+              <p:txBody>
+                <a:bodyPr rtlCol="0" anchor="ctr"/>
+                <a:lstStyle/>
+                <a:p>
+                  <a:pPr algn="ctr"/>
+                  <a:r>
+                    <a:rPr lang="en-US" dirty="0"/>
+                    <a:t>Reassemble</a:t>
+                  </a:r>
+                </a:p>
+              </p:txBody>
+            </p:sp>
+            <p:sp>
+              <p:nvSpPr>
+                <p:cNvPr id="10" name="Rechteck: abgerundete Ecken 9">
+                  <a:extLst>
+                    <a:ext uri="{FF2B5EF4-FFF2-40B4-BE49-F238E27FC236}">
+                      <a16:creationId xmlns:a16="http://schemas.microsoft.com/office/drawing/2014/main" id="{89ED81C9-D078-480B-8E95-12F6F912B1D9}"/>
+                    </a:ext>
+                  </a:extLst>
+                </p:cNvPr>
+                <p:cNvSpPr/>
+                <p:nvPr/>
+              </p:nvSpPr>
+              <p:spPr>
+                <a:xfrm>
+                  <a:off x="2732108" y="1624614"/>
+                  <a:ext cx="1154093" cy="648070"/>
+                </a:xfrm>
+                <a:prstGeom prst="roundRect">
+                  <a:avLst/>
+                </a:prstGeom>
+              </p:spPr>
+              <p:style>
+                <a:lnRef idx="2">
+                  <a:schemeClr val="accent1">
+                    <a:shade val="50000"/>
+                  </a:schemeClr>
+                </a:lnRef>
+                <a:fillRef idx="1">
+                  <a:schemeClr val="accent1"/>
+                </a:fillRef>
+                <a:effectRef idx="0">
+                  <a:schemeClr val="accent1"/>
+                </a:effectRef>
+                <a:fontRef idx="minor">
+                  <a:schemeClr val="lt1"/>
+                </a:fontRef>
+              </p:style>
+              <p:txBody>
+                <a:bodyPr rtlCol="0" anchor="ctr"/>
+                <a:lstStyle/>
+                <a:p>
+                  <a:pPr algn="ctr"/>
+                  <a:r>
+                    <a:rPr lang="en-US" dirty="0"/>
+                    <a:t>Fragment</a:t>
+                  </a:r>
+                </a:p>
+              </p:txBody>
+            </p:sp>
+            <p:sp>
+              <p:nvSpPr>
+                <p:cNvPr id="16" name="Rechteck: abgerundete Ecken 15">
+                  <a:extLst>
+                    <a:ext uri="{FF2B5EF4-FFF2-40B4-BE49-F238E27FC236}">
+                      <a16:creationId xmlns:a16="http://schemas.microsoft.com/office/drawing/2014/main" id="{31363AA4-67BA-4797-B189-A39397BC2304}"/>
+                    </a:ext>
+                  </a:extLst>
+                </p:cNvPr>
+                <p:cNvSpPr/>
+                <p:nvPr/>
+              </p:nvSpPr>
+              <p:spPr>
+                <a:xfrm>
+                  <a:off x="7972424" y="1624614"/>
+                  <a:ext cx="990600" cy="648070"/>
+                </a:xfrm>
+                <a:prstGeom prst="roundRect">
+                  <a:avLst/>
+                </a:prstGeom>
+              </p:spPr>
+              <p:style>
+                <a:lnRef idx="2">
+                  <a:schemeClr val="accent1">
+                    <a:shade val="50000"/>
+                  </a:schemeClr>
+                </a:lnRef>
+                <a:fillRef idx="1">
+                  <a:schemeClr val="accent1"/>
+                </a:fillRef>
+                <a:effectRef idx="0">
+                  <a:schemeClr val="accent1"/>
+                </a:effectRef>
+                <a:fontRef idx="minor">
+                  <a:schemeClr val="lt1"/>
+                </a:fontRef>
+              </p:style>
+              <p:txBody>
+                <a:bodyPr rtlCol="0" anchor="ctr"/>
+                <a:lstStyle/>
+                <a:p>
+                  <a:pPr algn="ctr"/>
+                  <a:r>
+                    <a:rPr lang="en-US" dirty="0"/>
+                    <a:t>Receive</a:t>
+                  </a:r>
+                </a:p>
+              </p:txBody>
+            </p:sp>
+            <p:cxnSp>
+              <p:nvCxnSpPr>
+                <p:cNvPr id="19" name="Gerade Verbindung mit Pfeil 18">
+                  <a:extLst>
+                    <a:ext uri="{FF2B5EF4-FFF2-40B4-BE49-F238E27FC236}">
+                      <a16:creationId xmlns:a16="http://schemas.microsoft.com/office/drawing/2014/main" id="{DEEF425E-ECFA-41B0-AB85-873344E227B7}"/>
+                    </a:ext>
+                  </a:extLst>
+                </p:cNvPr>
+                <p:cNvCxnSpPr>
+                  <a:cxnSpLocks/>
+                  <a:stCxn id="4" idx="3"/>
+                  <a:endCxn id="5" idx="1"/>
+                </p:cNvCxnSpPr>
+                <p:nvPr/>
+              </p:nvCxnSpPr>
+              <p:spPr>
+                <a:xfrm>
+                  <a:off x="1025372" y="1948649"/>
+                  <a:ext cx="490865" cy="0"/>
+                </a:xfrm>
+                <a:prstGeom prst="straightConnector1">
+                  <a:avLst/>
+                </a:prstGeom>
+                <a:ln w="31750">
+                  <a:tailEnd type="triangle"/>
+                </a:ln>
+              </p:spPr>
+              <p:style>
+                <a:lnRef idx="1">
+                  <a:schemeClr val="accent1"/>
+                </a:lnRef>
+                <a:fillRef idx="0">
+                  <a:schemeClr val="accent1"/>
+                </a:fillRef>
+                <a:effectRef idx="0">
+                  <a:schemeClr val="accent1"/>
+                </a:effectRef>
+                <a:fontRef idx="minor">
+                  <a:schemeClr val="tx1"/>
+                </a:fontRef>
+              </p:style>
+            </p:cxnSp>
+            <p:cxnSp>
+              <p:nvCxnSpPr>
+                <p:cNvPr id="21" name="Gerade Verbindung mit Pfeil 20">
+                  <a:extLst>
+                    <a:ext uri="{FF2B5EF4-FFF2-40B4-BE49-F238E27FC236}">
+                      <a16:creationId xmlns:a16="http://schemas.microsoft.com/office/drawing/2014/main" id="{463E5395-7014-4441-98FA-55228CEA8DB5}"/>
+                    </a:ext>
+                  </a:extLst>
+                </p:cNvPr>
+                <p:cNvCxnSpPr>
+                  <a:cxnSpLocks/>
+                  <a:stCxn id="5" idx="3"/>
+                  <a:endCxn id="10" idx="1"/>
+                </p:cNvCxnSpPr>
+                <p:nvPr/>
+              </p:nvCxnSpPr>
+              <p:spPr>
+                <a:xfrm>
+                  <a:off x="2246333" y="1948649"/>
+                  <a:ext cx="485775" cy="0"/>
+                </a:xfrm>
+                <a:prstGeom prst="straightConnector1">
+                  <a:avLst/>
+                </a:prstGeom>
+                <a:ln w="31750">
+                  <a:tailEnd type="triangle"/>
+                </a:ln>
+              </p:spPr>
+              <p:style>
+                <a:lnRef idx="1">
+                  <a:schemeClr val="accent1"/>
+                </a:lnRef>
+                <a:fillRef idx="0">
+                  <a:schemeClr val="accent1"/>
+                </a:fillRef>
+                <a:effectRef idx="0">
+                  <a:schemeClr val="accent1"/>
+                </a:effectRef>
+                <a:fontRef idx="minor">
+                  <a:schemeClr val="tx1"/>
+                </a:fontRef>
+              </p:style>
+            </p:cxnSp>
+            <p:cxnSp>
+              <p:nvCxnSpPr>
+                <p:cNvPr id="23" name="Gerade Verbindung mit Pfeil 22">
+                  <a:extLst>
+                    <a:ext uri="{FF2B5EF4-FFF2-40B4-BE49-F238E27FC236}">
+                      <a16:creationId xmlns:a16="http://schemas.microsoft.com/office/drawing/2014/main" id="{90DD75E8-D293-4ADA-8764-793891B0AD01}"/>
+                    </a:ext>
+                  </a:extLst>
+                </p:cNvPr>
+                <p:cNvCxnSpPr>
+                  <a:cxnSpLocks/>
+                  <a:stCxn id="10" idx="3"/>
+                  <a:endCxn id="16" idx="1"/>
+                </p:cNvCxnSpPr>
+                <p:nvPr/>
+              </p:nvCxnSpPr>
+              <p:spPr>
+                <a:xfrm>
+                  <a:off x="3886201" y="1948649"/>
+                  <a:ext cx="4086223" cy="0"/>
+                </a:xfrm>
+                <a:prstGeom prst="straightConnector1">
+                  <a:avLst/>
+                </a:prstGeom>
+                <a:ln w="31750">
+                  <a:prstDash val="sysDot"/>
+                  <a:tailEnd type="triangle"/>
+                </a:ln>
+              </p:spPr>
+              <p:style>
+                <a:lnRef idx="1">
+                  <a:schemeClr val="accent1"/>
+                </a:lnRef>
+                <a:fillRef idx="0">
+                  <a:schemeClr val="accent1"/>
+                </a:fillRef>
+                <a:effectRef idx="0">
+                  <a:schemeClr val="accent1"/>
+                </a:effectRef>
+                <a:fontRef idx="minor">
+                  <a:schemeClr val="tx1"/>
+                </a:fontRef>
+              </p:style>
+            </p:cxnSp>
+            <p:cxnSp>
+              <p:nvCxnSpPr>
+                <p:cNvPr id="25" name="Gerade Verbindung mit Pfeil 24">
+                  <a:extLst>
+                    <a:ext uri="{FF2B5EF4-FFF2-40B4-BE49-F238E27FC236}">
+                      <a16:creationId xmlns:a16="http://schemas.microsoft.com/office/drawing/2014/main" id="{A736C58F-D6E3-4BBD-990A-C8D8036B58DA}"/>
+                    </a:ext>
+                  </a:extLst>
+                </p:cNvPr>
+                <p:cNvCxnSpPr>
+                  <a:cxnSpLocks/>
+                  <a:stCxn id="16" idx="3"/>
+                  <a:endCxn id="9" idx="1"/>
+                </p:cNvCxnSpPr>
+                <p:nvPr/>
+              </p:nvCxnSpPr>
+              <p:spPr>
+                <a:xfrm>
+                  <a:off x="8963024" y="1948649"/>
+                  <a:ext cx="485775" cy="0"/>
+                </a:xfrm>
+                <a:prstGeom prst="straightConnector1">
+                  <a:avLst/>
+                </a:prstGeom>
+                <a:ln w="31750">
+                  <a:tailEnd type="triangle"/>
+                </a:ln>
+              </p:spPr>
+              <p:style>
+                <a:lnRef idx="1">
+                  <a:schemeClr val="accent1"/>
+                </a:lnRef>
+                <a:fillRef idx="0">
+                  <a:schemeClr val="accent1"/>
+                </a:fillRef>
+                <a:effectRef idx="0">
+                  <a:schemeClr val="accent1"/>
+                </a:effectRef>
+                <a:fontRef idx="minor">
+                  <a:schemeClr val="tx1"/>
+                </a:fontRef>
+              </p:style>
+            </p:cxnSp>
+            <p:cxnSp>
+              <p:nvCxnSpPr>
+                <p:cNvPr id="28" name="Gerade Verbindung mit Pfeil 27">
+                  <a:extLst>
+                    <a:ext uri="{FF2B5EF4-FFF2-40B4-BE49-F238E27FC236}">
+                      <a16:creationId xmlns:a16="http://schemas.microsoft.com/office/drawing/2014/main" id="{3983AC23-F249-4116-857B-EF912BF54ADC}"/>
+                    </a:ext>
+                  </a:extLst>
+                </p:cNvPr>
+                <p:cNvCxnSpPr>
+                  <a:cxnSpLocks/>
+                  <a:stCxn id="9" idx="3"/>
+                  <a:endCxn id="8" idx="1"/>
+                </p:cNvCxnSpPr>
+                <p:nvPr/>
+              </p:nvCxnSpPr>
+              <p:spPr>
+                <a:xfrm>
+                  <a:off x="10820399" y="1948649"/>
+                  <a:ext cx="485775" cy="0"/>
+                </a:xfrm>
+                <a:prstGeom prst="straightConnector1">
+                  <a:avLst/>
+                </a:prstGeom>
+                <a:ln w="31750">
+                  <a:tailEnd type="triangle"/>
+                </a:ln>
+              </p:spPr>
+              <p:style>
+                <a:lnRef idx="1">
+                  <a:schemeClr val="accent1"/>
+                </a:lnRef>
+                <a:fillRef idx="0">
+                  <a:schemeClr val="accent1"/>
+                </a:fillRef>
+                <a:effectRef idx="0">
+                  <a:schemeClr val="accent1"/>
+                </a:effectRef>
+                <a:fontRef idx="minor">
+                  <a:schemeClr val="tx1"/>
+                </a:fontRef>
+              </p:style>
+            </p:cxnSp>
+          </p:grpSp>
+          <p:grpSp>
+            <p:nvGrpSpPr>
+              <p:cNvPr id="94" name="Gruppieren 93">
                 <a:extLst>
                   <a:ext uri="{FF2B5EF4-FFF2-40B4-BE49-F238E27FC236}">
-                    <a16:creationId xmlns:a16="http://schemas.microsoft.com/office/drawing/2014/main" id="{51B671D7-D10C-47E7-900A-8E79513D67D4}"/>
+                    <a16:creationId xmlns:a16="http://schemas.microsoft.com/office/drawing/2014/main" id="{B42999CF-C0DA-47FE-9197-7A28F3F275B8}"/>
                   </a:ext>
                 </a:extLst>
               </p:cNvPr>
-              <p:cNvSpPr/>
+              <p:cNvGrpSpPr/>
               <p:nvPr/>
-            </p:nvSpPr>
-            <p:spPr>
+            </p:nvGrpSpPr>
+            <p:grpSpPr>
               <a:xfrm>
-                <a:off x="3064368" y="3429000"/>
-                <a:ext cx="774208" cy="648070"/>
+                <a:off x="295276" y="3552825"/>
+                <a:ext cx="11601448" cy="648070"/>
+                <a:chOff x="295276" y="3429000"/>
+                <a:chExt cx="11601448" cy="648070"/>
               </a:xfrm>
-              <a:prstGeom prst="roundRect">
-                <a:avLst/>
-              </a:prstGeom>
-            </p:spPr>
-            <p:style>
-              <a:lnRef idx="2">
-                <a:schemeClr val="accent1">
-                  <a:shade val="50000"/>
-                </a:schemeClr>
-              </a:lnRef>
-              <a:fillRef idx="1">
-                <a:schemeClr val="accent1"/>
-              </a:fillRef>
-              <a:effectRef idx="0">
-                <a:schemeClr val="accent1"/>
-              </a:effectRef>
-              <a:fontRef idx="minor">
-                <a:schemeClr val="lt1"/>
-              </a:fontRef>
-            </p:style>
-            <p:txBody>
-              <a:bodyPr rtlCol="0" anchor="ctr"/>
-              <a:lstStyle/>
-              <a:p>
-                <a:pPr algn="ctr"/>
-                <a:r>
-                  <a:rPr lang="en-US" dirty="0"/>
-                  <a:t>Limit (TC)</a:t>
-                </a:r>
-              </a:p>
-            </p:txBody>
-          </p:sp>
-          <p:sp>
-            <p:nvSpPr>
-              <p:cNvPr id="13" name="Rechteck: abgerundete Ecken 12">
-                <a:extLst>
-                  <a:ext uri="{FF2B5EF4-FFF2-40B4-BE49-F238E27FC236}">
-                    <a16:creationId xmlns:a16="http://schemas.microsoft.com/office/drawing/2014/main" id="{79EDF887-EB80-4445-9244-3180CFAC72EF}"/>
-                  </a:ext>
-                </a:extLst>
-              </p:cNvPr>
-              <p:cNvSpPr/>
-              <p:nvPr/>
-            </p:nvSpPr>
-            <p:spPr>
-              <a:xfrm>
-                <a:off x="4245469" y="3429000"/>
-                <a:ext cx="974232" cy="648070"/>
-              </a:xfrm>
-              <a:prstGeom prst="roundRect">
-                <a:avLst/>
-              </a:prstGeom>
-            </p:spPr>
-            <p:style>
-              <a:lnRef idx="2">
-                <a:schemeClr val="accent1">
-                  <a:shade val="50000"/>
-                </a:schemeClr>
-              </a:lnRef>
-              <a:fillRef idx="1">
-                <a:schemeClr val="accent1"/>
-              </a:fillRef>
-              <a:effectRef idx="0">
-                <a:schemeClr val="accent1"/>
-              </a:effectRef>
-              <a:fontRef idx="minor">
-                <a:schemeClr val="lt1"/>
-              </a:fontRef>
-            </p:style>
-            <p:txBody>
-              <a:bodyPr rtlCol="0" anchor="ctr"/>
-              <a:lstStyle/>
-              <a:p>
-                <a:pPr algn="ctr"/>
-                <a:r>
-                  <a:rPr lang="en-US" dirty="0"/>
-                  <a:t>Receive</a:t>
-                </a:r>
-              </a:p>
-            </p:txBody>
-          </p:sp>
-          <p:sp>
-            <p:nvSpPr>
-              <p:cNvPr id="14" name="Rechteck: abgerundete Ecken 13">
-                <a:extLst>
-                  <a:ext uri="{FF2B5EF4-FFF2-40B4-BE49-F238E27FC236}">
-                    <a16:creationId xmlns:a16="http://schemas.microsoft.com/office/drawing/2014/main" id="{AEBF41D6-7441-41C0-B931-1BBF48A43882}"/>
-                  </a:ext>
-                </a:extLst>
-              </p:cNvPr>
-              <p:cNvSpPr/>
-              <p:nvPr/>
-            </p:nvSpPr>
-            <p:spPr>
-              <a:xfrm>
-                <a:off x="9448799" y="3429000"/>
-                <a:ext cx="1219200" cy="648070"/>
-              </a:xfrm>
-              <a:prstGeom prst="roundRect">
-                <a:avLst/>
-              </a:prstGeom>
-            </p:spPr>
-            <p:style>
-              <a:lnRef idx="2">
-                <a:schemeClr val="accent1">
-                  <a:shade val="50000"/>
-                </a:schemeClr>
-              </a:lnRef>
-              <a:fillRef idx="1">
-                <a:schemeClr val="accent1"/>
-              </a:fillRef>
-              <a:effectRef idx="0">
-                <a:schemeClr val="accent1"/>
-              </a:effectRef>
-              <a:fontRef idx="minor">
-                <a:schemeClr val="lt1"/>
-              </a:fontRef>
-            </p:style>
-            <p:txBody>
-              <a:bodyPr rtlCol="0" anchor="ctr"/>
-              <a:lstStyle/>
-              <a:p>
-                <a:pPr algn="ctr"/>
-                <a:r>
-                  <a:rPr lang="en-US" dirty="0"/>
-                  <a:t>Fragment</a:t>
-                </a:r>
-              </a:p>
-            </p:txBody>
-          </p:sp>
-          <p:sp>
-            <p:nvSpPr>
-              <p:cNvPr id="15" name="Rechteck: abgerundete Ecken 14">
-                <a:extLst>
-                  <a:ext uri="{FF2B5EF4-FFF2-40B4-BE49-F238E27FC236}">
-                    <a16:creationId xmlns:a16="http://schemas.microsoft.com/office/drawing/2014/main" id="{B87E182B-6808-467E-A4F7-82DBBD9368EF}"/>
-                  </a:ext>
-                </a:extLst>
-              </p:cNvPr>
-              <p:cNvSpPr/>
-              <p:nvPr/>
-            </p:nvSpPr>
-            <p:spPr>
-              <a:xfrm>
-                <a:off x="11172824" y="3429000"/>
-                <a:ext cx="723900" cy="648070"/>
-              </a:xfrm>
-              <a:prstGeom prst="roundRect">
-                <a:avLst/>
-              </a:prstGeom>
-            </p:spPr>
-            <p:style>
-              <a:lnRef idx="2">
-                <a:schemeClr val="accent1">
-                  <a:shade val="50000"/>
-                </a:schemeClr>
-              </a:lnRef>
-              <a:fillRef idx="1">
-                <a:schemeClr val="accent1"/>
-              </a:fillRef>
-              <a:effectRef idx="0">
-                <a:schemeClr val="accent1"/>
-              </a:effectRef>
-              <a:fontRef idx="minor">
-                <a:schemeClr val="lt1"/>
-              </a:fontRef>
-            </p:style>
-            <p:txBody>
-              <a:bodyPr rtlCol="0" anchor="ctr"/>
-              <a:lstStyle/>
-              <a:p>
-                <a:pPr algn="ctr"/>
-                <a:r>
-                  <a:rPr lang="en-US" dirty="0"/>
-                  <a:t>Send</a:t>
-                </a:r>
-              </a:p>
-            </p:txBody>
-          </p:sp>
-          <p:sp>
-            <p:nvSpPr>
-              <p:cNvPr id="17" name="Rechteck: abgerundete Ecken 16">
-                <a:extLst>
-                  <a:ext uri="{FF2B5EF4-FFF2-40B4-BE49-F238E27FC236}">
-                    <a16:creationId xmlns:a16="http://schemas.microsoft.com/office/drawing/2014/main" id="{D275E35B-34F8-454E-98F9-6040A609A9AE}"/>
-                  </a:ext>
-                </a:extLst>
-              </p:cNvPr>
-              <p:cNvSpPr/>
-              <p:nvPr/>
-            </p:nvSpPr>
-            <p:spPr>
-              <a:xfrm>
-                <a:off x="295276" y="3429000"/>
-                <a:ext cx="590550" cy="648070"/>
-              </a:xfrm>
-              <a:prstGeom prst="roundRect">
-                <a:avLst/>
-              </a:prstGeom>
-            </p:spPr>
-            <p:style>
-              <a:lnRef idx="2">
-                <a:schemeClr val="accent1">
-                  <a:shade val="50000"/>
-                </a:schemeClr>
-              </a:lnRef>
-              <a:fillRef idx="1">
-                <a:schemeClr val="accent1"/>
-              </a:fillRef>
-              <a:effectRef idx="0">
-                <a:schemeClr val="accent1"/>
-              </a:effectRef>
-              <a:fontRef idx="minor">
-                <a:schemeClr val="lt1"/>
-              </a:fontRef>
-            </p:style>
-            <p:txBody>
-              <a:bodyPr rtlCol="0" anchor="ctr"/>
-              <a:lstStyle/>
-              <a:p>
-                <a:pPr algn="ctr"/>
-                <a:r>
-                  <a:rPr lang="en-US" dirty="0"/>
-                  <a:t>Use</a:t>
-                </a:r>
-              </a:p>
-            </p:txBody>
-          </p:sp>
-          <p:cxnSp>
-            <p:nvCxnSpPr>
-              <p:cNvPr id="31" name="Gerade Verbindung mit Pfeil 30">
-                <a:extLst>
-                  <a:ext uri="{FF2B5EF4-FFF2-40B4-BE49-F238E27FC236}">
-                    <a16:creationId xmlns:a16="http://schemas.microsoft.com/office/drawing/2014/main" id="{1BACE684-7D54-45E6-9487-6302D10D8D57}"/>
-                  </a:ext>
-                </a:extLst>
-              </p:cNvPr>
-              <p:cNvCxnSpPr>
-                <a:cxnSpLocks/>
-                <a:stCxn id="17" idx="3"/>
-                <a:endCxn id="11" idx="1"/>
-              </p:cNvCxnSpPr>
-              <p:nvPr/>
-            </p:nvCxnSpPr>
-            <p:spPr>
-              <a:xfrm>
-                <a:off x="885826" y="3753035"/>
-                <a:ext cx="406893" cy="0"/>
-              </a:xfrm>
-              <a:prstGeom prst="straightConnector1">
-                <a:avLst/>
-              </a:prstGeom>
-              <a:ln w="31750">
-                <a:headEnd type="triangle"/>
-                <a:tailEnd type="none"/>
-              </a:ln>
-            </p:spPr>
-            <p:style>
-              <a:lnRef idx="1">
-                <a:schemeClr val="accent1"/>
-              </a:lnRef>
-              <a:fillRef idx="0">
-                <a:schemeClr val="accent1"/>
-              </a:fillRef>
-              <a:effectRef idx="0">
-                <a:schemeClr val="accent1"/>
-              </a:effectRef>
-              <a:fontRef idx="minor">
-                <a:schemeClr val="tx1"/>
-              </a:fontRef>
-            </p:style>
-          </p:cxnSp>
-          <p:cxnSp>
-            <p:nvCxnSpPr>
-              <p:cNvPr id="33" name="Gerade Verbindung mit Pfeil 32">
-                <a:extLst>
-                  <a:ext uri="{FF2B5EF4-FFF2-40B4-BE49-F238E27FC236}">
-                    <a16:creationId xmlns:a16="http://schemas.microsoft.com/office/drawing/2014/main" id="{00B7DE1C-9458-4EC3-AB6E-AE8108FF2351}"/>
-                  </a:ext>
-                </a:extLst>
-              </p:cNvPr>
-              <p:cNvCxnSpPr>
-                <a:cxnSpLocks/>
-                <a:stCxn id="11" idx="3"/>
-                <a:endCxn id="12" idx="1"/>
-              </p:cNvCxnSpPr>
-              <p:nvPr/>
-            </p:nvCxnSpPr>
-            <p:spPr>
-              <a:xfrm>
-                <a:off x="2657475" y="3753035"/>
-                <a:ext cx="406893" cy="0"/>
-              </a:xfrm>
-              <a:prstGeom prst="straightConnector1">
-                <a:avLst/>
-              </a:prstGeom>
-              <a:ln w="31750">
-                <a:headEnd type="triangle"/>
-                <a:tailEnd type="none"/>
-              </a:ln>
-            </p:spPr>
-            <p:style>
-              <a:lnRef idx="1">
-                <a:schemeClr val="accent1"/>
-              </a:lnRef>
-              <a:fillRef idx="0">
-                <a:schemeClr val="accent1"/>
-              </a:fillRef>
-              <a:effectRef idx="0">
-                <a:schemeClr val="accent1"/>
-              </a:effectRef>
-              <a:fontRef idx="minor">
-                <a:schemeClr val="tx1"/>
-              </a:fontRef>
-            </p:style>
-          </p:cxnSp>
-          <p:cxnSp>
-            <p:nvCxnSpPr>
-              <p:cNvPr id="36" name="Gerade Verbindung mit Pfeil 35">
-                <a:extLst>
-                  <a:ext uri="{FF2B5EF4-FFF2-40B4-BE49-F238E27FC236}">
-                    <a16:creationId xmlns:a16="http://schemas.microsoft.com/office/drawing/2014/main" id="{3EC78E00-4433-4BAF-8D54-EC6F318D7DBA}"/>
-                  </a:ext>
-                </a:extLst>
-              </p:cNvPr>
-              <p:cNvCxnSpPr>
-                <a:cxnSpLocks/>
-                <a:stCxn id="12" idx="3"/>
-                <a:endCxn id="13" idx="1"/>
-              </p:cNvCxnSpPr>
-              <p:nvPr/>
-            </p:nvCxnSpPr>
-            <p:spPr>
-              <a:xfrm>
-                <a:off x="3838576" y="3753035"/>
-                <a:ext cx="406893" cy="0"/>
-              </a:xfrm>
-              <a:prstGeom prst="straightConnector1">
-                <a:avLst/>
-              </a:prstGeom>
-              <a:ln w="31750">
-                <a:headEnd type="triangle"/>
-                <a:tailEnd type="none"/>
-              </a:ln>
-            </p:spPr>
-            <p:style>
-              <a:lnRef idx="1">
-                <a:schemeClr val="accent1"/>
-              </a:lnRef>
-              <a:fillRef idx="0">
-                <a:schemeClr val="accent1"/>
-              </a:fillRef>
-              <a:effectRef idx="0">
-                <a:schemeClr val="accent1"/>
-              </a:effectRef>
-              <a:fontRef idx="minor">
-                <a:schemeClr val="tx1"/>
-              </a:fontRef>
-            </p:style>
-          </p:cxnSp>
-          <p:cxnSp>
-            <p:nvCxnSpPr>
-              <p:cNvPr id="39" name="Gerade Verbindung mit Pfeil 38">
-                <a:extLst>
-                  <a:ext uri="{FF2B5EF4-FFF2-40B4-BE49-F238E27FC236}">
-                    <a16:creationId xmlns:a16="http://schemas.microsoft.com/office/drawing/2014/main" id="{730E6BB1-A488-434B-9145-207F10ABAF0B}"/>
-                  </a:ext>
-                </a:extLst>
-              </p:cNvPr>
-              <p:cNvCxnSpPr>
-                <a:cxnSpLocks/>
-                <a:stCxn id="13" idx="3"/>
-                <a:endCxn id="14" idx="1"/>
-              </p:cNvCxnSpPr>
-              <p:nvPr/>
-            </p:nvCxnSpPr>
-            <p:spPr>
-              <a:xfrm>
-                <a:off x="5219701" y="3753035"/>
-                <a:ext cx="4229098" cy="0"/>
-              </a:xfrm>
-              <a:prstGeom prst="straightConnector1">
-                <a:avLst/>
-              </a:prstGeom>
-              <a:ln w="31750">
-                <a:prstDash val="sysDot"/>
-                <a:headEnd type="triangle"/>
-                <a:tailEnd type="none"/>
-              </a:ln>
-            </p:spPr>
-            <p:style>
-              <a:lnRef idx="1">
-                <a:schemeClr val="accent1"/>
-              </a:lnRef>
-              <a:fillRef idx="0">
-                <a:schemeClr val="accent1"/>
-              </a:fillRef>
-              <a:effectRef idx="0">
-                <a:schemeClr val="accent1"/>
-              </a:effectRef>
-              <a:fontRef idx="minor">
-                <a:schemeClr val="tx1"/>
-              </a:fontRef>
-            </p:style>
-          </p:cxnSp>
-          <p:cxnSp>
-            <p:nvCxnSpPr>
-              <p:cNvPr id="42" name="Gerade Verbindung mit Pfeil 41">
-                <a:extLst>
-                  <a:ext uri="{FF2B5EF4-FFF2-40B4-BE49-F238E27FC236}">
-                    <a16:creationId xmlns:a16="http://schemas.microsoft.com/office/drawing/2014/main" id="{40CFAD35-0EF8-4CE0-9D64-58E5E9439F56}"/>
-                  </a:ext>
-                </a:extLst>
-              </p:cNvPr>
-              <p:cNvCxnSpPr>
-                <a:cxnSpLocks/>
-                <a:stCxn id="14" idx="3"/>
-                <a:endCxn id="15" idx="1"/>
-              </p:cNvCxnSpPr>
-              <p:nvPr/>
-            </p:nvCxnSpPr>
-            <p:spPr>
-              <a:xfrm>
-                <a:off x="10667999" y="3753035"/>
-                <a:ext cx="504825" cy="0"/>
-              </a:xfrm>
-              <a:prstGeom prst="straightConnector1">
-                <a:avLst/>
-              </a:prstGeom>
-              <a:ln w="31750">
-                <a:headEnd type="triangle"/>
-                <a:tailEnd type="none"/>
-              </a:ln>
-            </p:spPr>
-            <p:style>
-              <a:lnRef idx="1">
-                <a:schemeClr val="accent1"/>
-              </a:lnRef>
-              <a:fillRef idx="0">
-                <a:schemeClr val="accent1"/>
-              </a:fillRef>
-              <a:effectRef idx="0">
-                <a:schemeClr val="accent1"/>
-              </a:effectRef>
-              <a:fontRef idx="minor">
-                <a:schemeClr val="tx1"/>
-              </a:fontRef>
-            </p:style>
-          </p:cxnSp>
+            </p:grpSpPr>
+            <p:sp>
+              <p:nvSpPr>
+                <p:cNvPr id="11" name="Rechteck: abgerundete Ecken 10">
+                  <a:extLst>
+                    <a:ext uri="{FF2B5EF4-FFF2-40B4-BE49-F238E27FC236}">
+                      <a16:creationId xmlns:a16="http://schemas.microsoft.com/office/drawing/2014/main" id="{7033E403-125A-4F18-AA75-EE9D12F74499}"/>
+                    </a:ext>
+                  </a:extLst>
+                </p:cNvPr>
+                <p:cNvSpPr/>
+                <p:nvPr/>
+              </p:nvSpPr>
+              <p:spPr>
+                <a:xfrm>
+                  <a:off x="1292719" y="3429000"/>
+                  <a:ext cx="1364756" cy="648070"/>
+                </a:xfrm>
+                <a:prstGeom prst="roundRect">
+                  <a:avLst/>
+                </a:prstGeom>
+              </p:spPr>
+              <p:style>
+                <a:lnRef idx="2">
+                  <a:schemeClr val="accent1">
+                    <a:shade val="50000"/>
+                  </a:schemeClr>
+                </a:lnRef>
+                <a:fillRef idx="1">
+                  <a:schemeClr val="accent1"/>
+                </a:fillRef>
+                <a:effectRef idx="0">
+                  <a:schemeClr val="accent1"/>
+                </a:effectRef>
+                <a:fontRef idx="minor">
+                  <a:schemeClr val="lt1"/>
+                </a:fontRef>
+              </p:style>
+              <p:txBody>
+                <a:bodyPr rtlCol="0" anchor="ctr"/>
+                <a:lstStyle/>
+                <a:p>
+                  <a:pPr algn="ctr"/>
+                  <a:r>
+                    <a:rPr lang="en-US" dirty="0"/>
+                    <a:t>Reassemble</a:t>
+                  </a:r>
+                </a:p>
+              </p:txBody>
+            </p:sp>
+            <p:sp>
+              <p:nvSpPr>
+                <p:cNvPr id="12" name="Rechteck: abgerundete Ecken 11">
+                  <a:extLst>
+                    <a:ext uri="{FF2B5EF4-FFF2-40B4-BE49-F238E27FC236}">
+                      <a16:creationId xmlns:a16="http://schemas.microsoft.com/office/drawing/2014/main" id="{51B671D7-D10C-47E7-900A-8E79513D67D4}"/>
+                    </a:ext>
+                  </a:extLst>
+                </p:cNvPr>
+                <p:cNvSpPr/>
+                <p:nvPr/>
+              </p:nvSpPr>
+              <p:spPr>
+                <a:xfrm>
+                  <a:off x="3064368" y="3429000"/>
+                  <a:ext cx="774208" cy="648070"/>
+                </a:xfrm>
+                <a:prstGeom prst="roundRect">
+                  <a:avLst/>
+                </a:prstGeom>
+              </p:spPr>
+              <p:style>
+                <a:lnRef idx="2">
+                  <a:schemeClr val="accent1">
+                    <a:shade val="50000"/>
+                  </a:schemeClr>
+                </a:lnRef>
+                <a:fillRef idx="1">
+                  <a:schemeClr val="accent1"/>
+                </a:fillRef>
+                <a:effectRef idx="0">
+                  <a:schemeClr val="accent1"/>
+                </a:effectRef>
+                <a:fontRef idx="minor">
+                  <a:schemeClr val="lt1"/>
+                </a:fontRef>
+              </p:style>
+              <p:txBody>
+                <a:bodyPr rtlCol="0" anchor="ctr"/>
+                <a:lstStyle/>
+                <a:p>
+                  <a:pPr algn="ctr"/>
+                  <a:r>
+                    <a:rPr lang="en-US" dirty="0"/>
+                    <a:t>Limit (TC)</a:t>
+                  </a:r>
+                </a:p>
+              </p:txBody>
+            </p:sp>
+            <p:sp>
+              <p:nvSpPr>
+                <p:cNvPr id="13" name="Rechteck: abgerundete Ecken 12">
+                  <a:extLst>
+                    <a:ext uri="{FF2B5EF4-FFF2-40B4-BE49-F238E27FC236}">
+                      <a16:creationId xmlns:a16="http://schemas.microsoft.com/office/drawing/2014/main" id="{79EDF887-EB80-4445-9244-3180CFAC72EF}"/>
+                    </a:ext>
+                  </a:extLst>
+                </p:cNvPr>
+                <p:cNvSpPr/>
+                <p:nvPr/>
+              </p:nvSpPr>
+              <p:spPr>
+                <a:xfrm>
+                  <a:off x="4245469" y="3429000"/>
+                  <a:ext cx="974232" cy="648070"/>
+                </a:xfrm>
+                <a:prstGeom prst="roundRect">
+                  <a:avLst/>
+                </a:prstGeom>
+              </p:spPr>
+              <p:style>
+                <a:lnRef idx="2">
+                  <a:schemeClr val="accent1">
+                    <a:shade val="50000"/>
+                  </a:schemeClr>
+                </a:lnRef>
+                <a:fillRef idx="1">
+                  <a:schemeClr val="accent1"/>
+                </a:fillRef>
+                <a:effectRef idx="0">
+                  <a:schemeClr val="accent1"/>
+                </a:effectRef>
+                <a:fontRef idx="minor">
+                  <a:schemeClr val="lt1"/>
+                </a:fontRef>
+              </p:style>
+              <p:txBody>
+                <a:bodyPr rtlCol="0" anchor="ctr"/>
+                <a:lstStyle/>
+                <a:p>
+                  <a:pPr algn="ctr"/>
+                  <a:r>
+                    <a:rPr lang="en-US" dirty="0"/>
+                    <a:t>Receive</a:t>
+                  </a:r>
+                </a:p>
+              </p:txBody>
+            </p:sp>
+            <p:sp>
+              <p:nvSpPr>
+                <p:cNvPr id="14" name="Rechteck: abgerundete Ecken 13">
+                  <a:extLst>
+                    <a:ext uri="{FF2B5EF4-FFF2-40B4-BE49-F238E27FC236}">
+                      <a16:creationId xmlns:a16="http://schemas.microsoft.com/office/drawing/2014/main" id="{AEBF41D6-7441-41C0-B931-1BBF48A43882}"/>
+                    </a:ext>
+                  </a:extLst>
+                </p:cNvPr>
+                <p:cNvSpPr/>
+                <p:nvPr/>
+              </p:nvSpPr>
+              <p:spPr>
+                <a:xfrm>
+                  <a:off x="9448799" y="3429000"/>
+                  <a:ext cx="1219200" cy="648070"/>
+                </a:xfrm>
+                <a:prstGeom prst="roundRect">
+                  <a:avLst/>
+                </a:prstGeom>
+              </p:spPr>
+              <p:style>
+                <a:lnRef idx="2">
+                  <a:schemeClr val="accent1">
+                    <a:shade val="50000"/>
+                  </a:schemeClr>
+                </a:lnRef>
+                <a:fillRef idx="1">
+                  <a:schemeClr val="accent1"/>
+                </a:fillRef>
+                <a:effectRef idx="0">
+                  <a:schemeClr val="accent1"/>
+                </a:effectRef>
+                <a:fontRef idx="minor">
+                  <a:schemeClr val="lt1"/>
+                </a:fontRef>
+              </p:style>
+              <p:txBody>
+                <a:bodyPr rtlCol="0" anchor="ctr"/>
+                <a:lstStyle/>
+                <a:p>
+                  <a:pPr algn="ctr"/>
+                  <a:r>
+                    <a:rPr lang="en-US" dirty="0"/>
+                    <a:t>Fragment</a:t>
+                  </a:r>
+                </a:p>
+              </p:txBody>
+            </p:sp>
+            <p:sp>
+              <p:nvSpPr>
+                <p:cNvPr id="15" name="Rechteck: abgerundete Ecken 14">
+                  <a:extLst>
+                    <a:ext uri="{FF2B5EF4-FFF2-40B4-BE49-F238E27FC236}">
+                      <a16:creationId xmlns:a16="http://schemas.microsoft.com/office/drawing/2014/main" id="{B87E182B-6808-467E-A4F7-82DBBD9368EF}"/>
+                    </a:ext>
+                  </a:extLst>
+                </p:cNvPr>
+                <p:cNvSpPr/>
+                <p:nvPr/>
+              </p:nvSpPr>
+              <p:spPr>
+                <a:xfrm>
+                  <a:off x="11172824" y="3429000"/>
+                  <a:ext cx="723900" cy="648070"/>
+                </a:xfrm>
+                <a:prstGeom prst="roundRect">
+                  <a:avLst/>
+                </a:prstGeom>
+              </p:spPr>
+              <p:style>
+                <a:lnRef idx="2">
+                  <a:schemeClr val="accent1">
+                    <a:shade val="50000"/>
+                  </a:schemeClr>
+                </a:lnRef>
+                <a:fillRef idx="1">
+                  <a:schemeClr val="accent1"/>
+                </a:fillRef>
+                <a:effectRef idx="0">
+                  <a:schemeClr val="accent1"/>
+                </a:effectRef>
+                <a:fontRef idx="minor">
+                  <a:schemeClr val="lt1"/>
+                </a:fontRef>
+              </p:style>
+              <p:txBody>
+                <a:bodyPr rtlCol="0" anchor="ctr"/>
+                <a:lstStyle/>
+                <a:p>
+                  <a:pPr algn="ctr"/>
+                  <a:r>
+                    <a:rPr lang="en-US" dirty="0"/>
+                    <a:t>Send</a:t>
+                  </a:r>
+                </a:p>
+              </p:txBody>
+            </p:sp>
+            <p:sp>
+              <p:nvSpPr>
+                <p:cNvPr id="17" name="Rechteck: abgerundete Ecken 16">
+                  <a:extLst>
+                    <a:ext uri="{FF2B5EF4-FFF2-40B4-BE49-F238E27FC236}">
+                      <a16:creationId xmlns:a16="http://schemas.microsoft.com/office/drawing/2014/main" id="{D275E35B-34F8-454E-98F9-6040A609A9AE}"/>
+                    </a:ext>
+                  </a:extLst>
+                </p:cNvPr>
+                <p:cNvSpPr/>
+                <p:nvPr/>
+              </p:nvSpPr>
+              <p:spPr>
+                <a:xfrm>
+                  <a:off x="295276" y="3429000"/>
+                  <a:ext cx="590550" cy="648070"/>
+                </a:xfrm>
+                <a:prstGeom prst="roundRect">
+                  <a:avLst/>
+                </a:prstGeom>
+              </p:spPr>
+              <p:style>
+                <a:lnRef idx="2">
+                  <a:schemeClr val="accent1">
+                    <a:shade val="50000"/>
+                  </a:schemeClr>
+                </a:lnRef>
+                <a:fillRef idx="1">
+                  <a:schemeClr val="accent1"/>
+                </a:fillRef>
+                <a:effectRef idx="0">
+                  <a:schemeClr val="accent1"/>
+                </a:effectRef>
+                <a:fontRef idx="minor">
+                  <a:schemeClr val="lt1"/>
+                </a:fontRef>
+              </p:style>
+              <p:txBody>
+                <a:bodyPr rtlCol="0" anchor="ctr"/>
+                <a:lstStyle/>
+                <a:p>
+                  <a:pPr algn="ctr"/>
+                  <a:r>
+                    <a:rPr lang="en-US" dirty="0"/>
+                    <a:t>Use</a:t>
+                  </a:r>
+                </a:p>
+              </p:txBody>
+            </p:sp>
+            <p:cxnSp>
+              <p:nvCxnSpPr>
+                <p:cNvPr id="31" name="Gerade Verbindung mit Pfeil 30">
+                  <a:extLst>
+                    <a:ext uri="{FF2B5EF4-FFF2-40B4-BE49-F238E27FC236}">
+                      <a16:creationId xmlns:a16="http://schemas.microsoft.com/office/drawing/2014/main" id="{1BACE684-7D54-45E6-9487-6302D10D8D57}"/>
+                    </a:ext>
+                  </a:extLst>
+                </p:cNvPr>
+                <p:cNvCxnSpPr>
+                  <a:cxnSpLocks/>
+                  <a:stCxn id="17" idx="3"/>
+                  <a:endCxn id="11" idx="1"/>
+                </p:cNvCxnSpPr>
+                <p:nvPr/>
+              </p:nvCxnSpPr>
+              <p:spPr>
+                <a:xfrm>
+                  <a:off x="885826" y="3753035"/>
+                  <a:ext cx="406893" cy="0"/>
+                </a:xfrm>
+                <a:prstGeom prst="straightConnector1">
+                  <a:avLst/>
+                </a:prstGeom>
+                <a:ln w="31750">
+                  <a:headEnd type="triangle"/>
+                  <a:tailEnd type="none"/>
+                </a:ln>
+              </p:spPr>
+              <p:style>
+                <a:lnRef idx="1">
+                  <a:schemeClr val="accent1"/>
+                </a:lnRef>
+                <a:fillRef idx="0">
+                  <a:schemeClr val="accent1"/>
+                </a:fillRef>
+                <a:effectRef idx="0">
+                  <a:schemeClr val="accent1"/>
+                </a:effectRef>
+                <a:fontRef idx="minor">
+                  <a:schemeClr val="tx1"/>
+                </a:fontRef>
+              </p:style>
+            </p:cxnSp>
+            <p:cxnSp>
+              <p:nvCxnSpPr>
+                <p:cNvPr id="33" name="Gerade Verbindung mit Pfeil 32">
+                  <a:extLst>
+                    <a:ext uri="{FF2B5EF4-FFF2-40B4-BE49-F238E27FC236}">
+                      <a16:creationId xmlns:a16="http://schemas.microsoft.com/office/drawing/2014/main" id="{00B7DE1C-9458-4EC3-AB6E-AE8108FF2351}"/>
+                    </a:ext>
+                  </a:extLst>
+                </p:cNvPr>
+                <p:cNvCxnSpPr>
+                  <a:cxnSpLocks/>
+                  <a:stCxn id="11" idx="3"/>
+                  <a:endCxn id="12" idx="1"/>
+                </p:cNvCxnSpPr>
+                <p:nvPr/>
+              </p:nvCxnSpPr>
+              <p:spPr>
+                <a:xfrm>
+                  <a:off x="2657475" y="3753035"/>
+                  <a:ext cx="406893" cy="0"/>
+                </a:xfrm>
+                <a:prstGeom prst="straightConnector1">
+                  <a:avLst/>
+                </a:prstGeom>
+                <a:ln w="31750">
+                  <a:headEnd type="triangle"/>
+                  <a:tailEnd type="none"/>
+                </a:ln>
+              </p:spPr>
+              <p:style>
+                <a:lnRef idx="1">
+                  <a:schemeClr val="accent1"/>
+                </a:lnRef>
+                <a:fillRef idx="0">
+                  <a:schemeClr val="accent1"/>
+                </a:fillRef>
+                <a:effectRef idx="0">
+                  <a:schemeClr val="accent1"/>
+                </a:effectRef>
+                <a:fontRef idx="minor">
+                  <a:schemeClr val="tx1"/>
+                </a:fontRef>
+              </p:style>
+            </p:cxnSp>
+            <p:cxnSp>
+              <p:nvCxnSpPr>
+                <p:cNvPr id="36" name="Gerade Verbindung mit Pfeil 35">
+                  <a:extLst>
+                    <a:ext uri="{FF2B5EF4-FFF2-40B4-BE49-F238E27FC236}">
+                      <a16:creationId xmlns:a16="http://schemas.microsoft.com/office/drawing/2014/main" id="{3EC78E00-4433-4BAF-8D54-EC6F318D7DBA}"/>
+                    </a:ext>
+                  </a:extLst>
+                </p:cNvPr>
+                <p:cNvCxnSpPr>
+                  <a:cxnSpLocks/>
+                  <a:stCxn id="12" idx="3"/>
+                  <a:endCxn id="13" idx="1"/>
+                </p:cNvCxnSpPr>
+                <p:nvPr/>
+              </p:nvCxnSpPr>
+              <p:spPr>
+                <a:xfrm>
+                  <a:off x="3838576" y="3753035"/>
+                  <a:ext cx="406893" cy="0"/>
+                </a:xfrm>
+                <a:prstGeom prst="straightConnector1">
+                  <a:avLst/>
+                </a:prstGeom>
+                <a:ln w="31750">
+                  <a:headEnd type="triangle"/>
+                  <a:tailEnd type="none"/>
+                </a:ln>
+              </p:spPr>
+              <p:style>
+                <a:lnRef idx="1">
+                  <a:schemeClr val="accent1"/>
+                </a:lnRef>
+                <a:fillRef idx="0">
+                  <a:schemeClr val="accent1"/>
+                </a:fillRef>
+                <a:effectRef idx="0">
+                  <a:schemeClr val="accent1"/>
+                </a:effectRef>
+                <a:fontRef idx="minor">
+                  <a:schemeClr val="tx1"/>
+                </a:fontRef>
+              </p:style>
+            </p:cxnSp>
+            <p:cxnSp>
+              <p:nvCxnSpPr>
+                <p:cNvPr id="39" name="Gerade Verbindung mit Pfeil 38">
+                  <a:extLst>
+                    <a:ext uri="{FF2B5EF4-FFF2-40B4-BE49-F238E27FC236}">
+                      <a16:creationId xmlns:a16="http://schemas.microsoft.com/office/drawing/2014/main" id="{730E6BB1-A488-434B-9145-207F10ABAF0B}"/>
+                    </a:ext>
+                  </a:extLst>
+                </p:cNvPr>
+                <p:cNvCxnSpPr>
+                  <a:cxnSpLocks/>
+                  <a:stCxn id="13" idx="3"/>
+                  <a:endCxn id="14" idx="1"/>
+                </p:cNvCxnSpPr>
+                <p:nvPr/>
+              </p:nvCxnSpPr>
+              <p:spPr>
+                <a:xfrm>
+                  <a:off x="5219701" y="3753035"/>
+                  <a:ext cx="4229098" cy="0"/>
+                </a:xfrm>
+                <a:prstGeom prst="straightConnector1">
+                  <a:avLst/>
+                </a:prstGeom>
+                <a:ln w="31750">
+                  <a:prstDash val="sysDot"/>
+                  <a:headEnd type="triangle"/>
+                  <a:tailEnd type="none"/>
+                </a:ln>
+              </p:spPr>
+              <p:style>
+                <a:lnRef idx="1">
+                  <a:schemeClr val="accent1"/>
+                </a:lnRef>
+                <a:fillRef idx="0">
+                  <a:schemeClr val="accent1"/>
+                </a:fillRef>
+                <a:effectRef idx="0">
+                  <a:schemeClr val="accent1"/>
+                </a:effectRef>
+                <a:fontRef idx="minor">
+                  <a:schemeClr val="tx1"/>
+                </a:fontRef>
+              </p:style>
+            </p:cxnSp>
+            <p:cxnSp>
+              <p:nvCxnSpPr>
+                <p:cNvPr id="42" name="Gerade Verbindung mit Pfeil 41">
+                  <a:extLst>
+                    <a:ext uri="{FF2B5EF4-FFF2-40B4-BE49-F238E27FC236}">
+                      <a16:creationId xmlns:a16="http://schemas.microsoft.com/office/drawing/2014/main" id="{40CFAD35-0EF8-4CE0-9D64-58E5E9439F56}"/>
+                    </a:ext>
+                  </a:extLst>
+                </p:cNvPr>
+                <p:cNvCxnSpPr>
+                  <a:cxnSpLocks/>
+                  <a:stCxn id="14" idx="3"/>
+                  <a:endCxn id="15" idx="1"/>
+                </p:cNvCxnSpPr>
+                <p:nvPr/>
+              </p:nvCxnSpPr>
+              <p:spPr>
+                <a:xfrm>
+                  <a:off x="10667999" y="3753035"/>
+                  <a:ext cx="504825" cy="0"/>
+                </a:xfrm>
+                <a:prstGeom prst="straightConnector1">
+                  <a:avLst/>
+                </a:prstGeom>
+                <a:ln w="31750">
+                  <a:headEnd type="triangle"/>
+                  <a:tailEnd type="none"/>
+                </a:ln>
+              </p:spPr>
+              <p:style>
+                <a:lnRef idx="1">
+                  <a:schemeClr val="accent1"/>
+                </a:lnRef>
+                <a:fillRef idx="0">
+                  <a:schemeClr val="accent1"/>
+                </a:fillRef>
+                <a:effectRef idx="0">
+                  <a:schemeClr val="accent1"/>
+                </a:effectRef>
+                <a:fontRef idx="minor">
+                  <a:schemeClr val="tx1"/>
+                </a:fontRef>
+              </p:style>
+            </p:cxnSp>
+          </p:grpSp>
         </p:grpSp>
-      </p:grpSp>
-      <p:sp>
-        <p:nvSpPr>
-          <p:cNvPr id="96" name="Textfeld 95">
-            <a:extLst>
-              <a:ext uri="{FF2B5EF4-FFF2-40B4-BE49-F238E27FC236}">
-                <a16:creationId xmlns:a16="http://schemas.microsoft.com/office/drawing/2014/main" id="{6C1AE848-AC20-40D0-9E34-363B9188272A}"/>
-              </a:ext>
-            </a:extLst>
-          </p:cNvPr>
-          <p:cNvSpPr txBox="1"/>
-          <p:nvPr/>
-        </p:nvSpPr>
-        <p:spPr>
-          <a:xfrm>
-            <a:off x="295276" y="4443695"/>
-            <a:ext cx="2182072" cy="523220"/>
-          </a:xfrm>
-          <a:prstGeom prst="rect">
-            <a:avLst/>
-          </a:prstGeom>
-          <a:noFill/>
-        </p:spPr>
-        <p:txBody>
-          <a:bodyPr wrap="none" rtlCol="0">
-            <a:spAutoFit/>
-          </a:bodyPr>
-          <a:lstStyle/>
-          <a:p>
-            <a:r>
-              <a:rPr lang="en-US" sz="2800" dirty="0">
+        <p:sp>
+          <p:nvSpPr>
+            <p:cNvPr id="96" name="Textfeld 95">
+              <a:extLst>
+                <a:ext uri="{FF2B5EF4-FFF2-40B4-BE49-F238E27FC236}">
+                  <a16:creationId xmlns:a16="http://schemas.microsoft.com/office/drawing/2014/main" id="{6C1AE848-AC20-40D0-9E34-363B9188272A}"/>
+                </a:ext>
+              </a:extLst>
+            </p:cNvPr>
+            <p:cNvSpPr txBox="1"/>
+            <p:nvPr/>
+          </p:nvSpPr>
+          <p:spPr>
+            <a:xfrm>
+              <a:off x="295276" y="4443695"/>
+              <a:ext cx="2182072" cy="523220"/>
+            </a:xfrm>
+            <a:prstGeom prst="rect">
+              <a:avLst/>
+            </a:prstGeom>
+            <a:noFill/>
+          </p:spPr>
+          <p:txBody>
+            <a:bodyPr wrap="none" rtlCol="0">
+              <a:spAutoFit/>
+            </a:bodyPr>
+            <a:lstStyle/>
+            <a:p>
+              <a:r>
+                <a:rPr lang="en-US" sz="2800" dirty="0">
+                  <a:solidFill>
+                    <a:schemeClr val="bg1"/>
+                  </a:solidFill>
+                </a:rPr>
+                <a:t>Ingress Traffic</a:t>
+              </a:r>
+              <a:endParaRPr lang="en-US" dirty="0">
                 <a:solidFill>
                   <a:schemeClr val="bg1"/>
                 </a:solidFill>
-              </a:rPr>
-              <a:t>Ingress Traffic</a:t>
-            </a:r>
-            <a:endParaRPr lang="en-US" dirty="0">
-              <a:solidFill>
-                <a:schemeClr val="bg1"/>
-              </a:solidFill>
-            </a:endParaRPr>
-          </a:p>
-        </p:txBody>
-      </p:sp>
-      <p:sp>
-        <p:nvSpPr>
-          <p:cNvPr id="97" name="Textfeld 96">
-            <a:extLst>
-              <a:ext uri="{FF2B5EF4-FFF2-40B4-BE49-F238E27FC236}">
-                <a16:creationId xmlns:a16="http://schemas.microsoft.com/office/drawing/2014/main" id="{502F568D-9EA9-4DE0-BE89-80EBA92C6735}"/>
-              </a:ext>
-            </a:extLst>
-          </p:cNvPr>
-          <p:cNvSpPr txBox="1"/>
-          <p:nvPr/>
-        </p:nvSpPr>
-        <p:spPr>
-          <a:xfrm>
-            <a:off x="307148" y="1828662"/>
-            <a:ext cx="2077877" cy="523220"/>
-          </a:xfrm>
-          <a:prstGeom prst="rect">
-            <a:avLst/>
-          </a:prstGeom>
-          <a:noFill/>
-        </p:spPr>
-        <p:txBody>
-          <a:bodyPr wrap="none" rtlCol="0">
-            <a:spAutoFit/>
-          </a:bodyPr>
-          <a:lstStyle/>
-          <a:p>
-            <a:r>
-              <a:rPr lang="en-US" sz="2800" dirty="0">
+              </a:endParaRPr>
+            </a:p>
+          </p:txBody>
+        </p:sp>
+        <p:sp>
+          <p:nvSpPr>
+            <p:cNvPr id="97" name="Textfeld 96">
+              <a:extLst>
+                <a:ext uri="{FF2B5EF4-FFF2-40B4-BE49-F238E27FC236}">
+                  <a16:creationId xmlns:a16="http://schemas.microsoft.com/office/drawing/2014/main" id="{502F568D-9EA9-4DE0-BE89-80EBA92C6735}"/>
+                </a:ext>
+              </a:extLst>
+            </p:cNvPr>
+            <p:cNvSpPr txBox="1"/>
+            <p:nvPr/>
+          </p:nvSpPr>
+          <p:spPr>
+            <a:xfrm>
+              <a:off x="307148" y="1828662"/>
+              <a:ext cx="2077877" cy="523220"/>
+            </a:xfrm>
+            <a:prstGeom prst="rect">
+              <a:avLst/>
+            </a:prstGeom>
+            <a:noFill/>
+          </p:spPr>
+          <p:txBody>
+            <a:bodyPr wrap="none" rtlCol="0">
+              <a:spAutoFit/>
+            </a:bodyPr>
+            <a:lstStyle/>
+            <a:p>
+              <a:r>
+                <a:rPr lang="en-US" sz="2800" dirty="0">
+                  <a:solidFill>
+                    <a:schemeClr val="bg1"/>
+                  </a:solidFill>
+                </a:rPr>
+                <a:t>Egress Traffic</a:t>
+              </a:r>
+              <a:endParaRPr lang="en-US" dirty="0">
                 <a:solidFill>
                   <a:schemeClr val="bg1"/>
                 </a:solidFill>
-              </a:rPr>
-              <a:t>Egress Traffic</a:t>
-            </a:r>
-            <a:endParaRPr lang="en-US" dirty="0">
-              <a:solidFill>
-                <a:schemeClr val="bg1"/>
-              </a:solidFill>
-            </a:endParaRPr>
-          </a:p>
-        </p:txBody>
-      </p:sp>
-      <p:sp>
-        <p:nvSpPr>
-          <p:cNvPr id="98" name="Textfeld 97">
-            <a:extLst>
-              <a:ext uri="{FF2B5EF4-FFF2-40B4-BE49-F238E27FC236}">
-                <a16:creationId xmlns:a16="http://schemas.microsoft.com/office/drawing/2014/main" id="{92509D3C-0755-4C46-9006-49688127B895}"/>
-              </a:ext>
-            </a:extLst>
-          </p:cNvPr>
-          <p:cNvSpPr txBox="1"/>
-          <p:nvPr/>
-        </p:nvSpPr>
-        <p:spPr>
-          <a:xfrm>
-            <a:off x="5888790" y="2627906"/>
-            <a:ext cx="1088439" cy="400110"/>
-          </a:xfrm>
-          <a:prstGeom prst="rect">
-            <a:avLst/>
-          </a:prstGeom>
-          <a:noFill/>
-        </p:spPr>
-        <p:txBody>
-          <a:bodyPr wrap="none" rtlCol="0">
-            <a:spAutoFit/>
-          </a:bodyPr>
-          <a:lstStyle/>
-          <a:p>
-            <a:r>
-              <a:rPr lang="en-US" sz="2000" dirty="0">
+              </a:endParaRPr>
+            </a:p>
+          </p:txBody>
+        </p:sp>
+        <p:sp>
+          <p:nvSpPr>
+            <p:cNvPr id="98" name="Textfeld 97">
+              <a:extLst>
+                <a:ext uri="{FF2B5EF4-FFF2-40B4-BE49-F238E27FC236}">
+                  <a16:creationId xmlns:a16="http://schemas.microsoft.com/office/drawing/2014/main" id="{92509D3C-0755-4C46-9006-49688127B895}"/>
+                </a:ext>
+              </a:extLst>
+            </p:cNvPr>
+            <p:cNvSpPr txBox="1"/>
+            <p:nvPr/>
+          </p:nvSpPr>
+          <p:spPr>
+            <a:xfrm>
+              <a:off x="5888790" y="2627906"/>
+              <a:ext cx="1088439" cy="400110"/>
+            </a:xfrm>
+            <a:prstGeom prst="rect">
+              <a:avLst/>
+            </a:prstGeom>
+            <a:noFill/>
+          </p:spPr>
+          <p:txBody>
+            <a:bodyPr wrap="none" rtlCol="0">
+              <a:spAutoFit/>
+            </a:bodyPr>
+            <a:lstStyle/>
+            <a:p>
+              <a:r>
+                <a:rPr lang="en-US" sz="2000" dirty="0">
+                  <a:solidFill>
+                    <a:schemeClr val="bg1"/>
+                  </a:solidFill>
+                </a:rPr>
+                <a:t>Transmit</a:t>
+              </a:r>
+              <a:endParaRPr lang="en-US" sz="1400" dirty="0">
                 <a:solidFill>
                   <a:schemeClr val="bg1"/>
                 </a:solidFill>
-              </a:rPr>
-              <a:t>Transmit</a:t>
-            </a:r>
-            <a:endParaRPr lang="en-US" sz="1400" dirty="0">
-              <a:solidFill>
-                <a:schemeClr val="bg1"/>
-              </a:solidFill>
-            </a:endParaRPr>
-          </a:p>
-        </p:txBody>
-      </p:sp>
-      <p:sp>
-        <p:nvSpPr>
-          <p:cNvPr id="99" name="Textfeld 98">
-            <a:extLst>
-              <a:ext uri="{FF2B5EF4-FFF2-40B4-BE49-F238E27FC236}">
-                <a16:creationId xmlns:a16="http://schemas.microsoft.com/office/drawing/2014/main" id="{EDC437E3-1E5B-498B-BE7F-B01C57553E09}"/>
-              </a:ext>
-            </a:extLst>
-          </p:cNvPr>
-          <p:cNvSpPr txBox="1"/>
-          <p:nvPr/>
-        </p:nvSpPr>
-        <p:spPr>
-          <a:xfrm>
-            <a:off x="5888790" y="3841218"/>
-            <a:ext cx="1088439" cy="400110"/>
-          </a:xfrm>
-          <a:prstGeom prst="rect">
-            <a:avLst/>
-          </a:prstGeom>
-          <a:noFill/>
-        </p:spPr>
-        <p:txBody>
-          <a:bodyPr wrap="none" rtlCol="0">
-            <a:spAutoFit/>
-          </a:bodyPr>
-          <a:lstStyle/>
-          <a:p>
-            <a:r>
-              <a:rPr lang="en-US" sz="2000" dirty="0">
+              </a:endParaRPr>
+            </a:p>
+          </p:txBody>
+        </p:sp>
+        <p:sp>
+          <p:nvSpPr>
+            <p:cNvPr id="99" name="Textfeld 98">
+              <a:extLst>
+                <a:ext uri="{FF2B5EF4-FFF2-40B4-BE49-F238E27FC236}">
+                  <a16:creationId xmlns:a16="http://schemas.microsoft.com/office/drawing/2014/main" id="{EDC437E3-1E5B-498B-BE7F-B01C57553E09}"/>
+                </a:ext>
+              </a:extLst>
+            </p:cNvPr>
+            <p:cNvSpPr txBox="1"/>
+            <p:nvPr/>
+          </p:nvSpPr>
+          <p:spPr>
+            <a:xfrm>
+              <a:off x="5888790" y="3841218"/>
+              <a:ext cx="1088439" cy="400110"/>
+            </a:xfrm>
+            <a:prstGeom prst="rect">
+              <a:avLst/>
+            </a:prstGeom>
+            <a:noFill/>
+          </p:spPr>
+          <p:txBody>
+            <a:bodyPr wrap="none" rtlCol="0">
+              <a:spAutoFit/>
+            </a:bodyPr>
+            <a:lstStyle/>
+            <a:p>
+              <a:r>
+                <a:rPr lang="en-US" sz="2000" dirty="0">
+                  <a:solidFill>
+                    <a:schemeClr val="bg1"/>
+                  </a:solidFill>
+                </a:rPr>
+                <a:t>Transmit</a:t>
+              </a:r>
+              <a:endParaRPr lang="en-US" sz="1400" dirty="0">
                 <a:solidFill>
                   <a:schemeClr val="bg1"/>
                 </a:solidFill>
-              </a:rPr>
-              <a:t>Transmit</a:t>
-            </a:r>
-            <a:endParaRPr lang="en-US" sz="1400" dirty="0">
-              <a:solidFill>
-                <a:schemeClr val="bg1"/>
-              </a:solidFill>
-            </a:endParaRPr>
-          </a:p>
-        </p:txBody>
-      </p:sp>
+              </a:endParaRPr>
+            </a:p>
+          </p:txBody>
+        </p:sp>
+      </p:grpSp>
     </p:spTree>
     <p:extLst>
       <p:ext uri="{BB962C8B-B14F-4D97-AF65-F5344CB8AC3E}">
